--- a/Slides/Slides-04-Introduction_to_Valtools/Slides-04-01-Elements_of_Validation/Slides-04-01-Elements_of_Validation.pptx
+++ b/Slides/Slides-04-Introduction_to_Valtools/Slides-04-01-Elements_of_Validation/Slides-04-01-Elements_of_Validation.pptx
@@ -14,8 +14,8 @@
     <p:sldId id="394" r:id="rId8"/>
     <p:sldId id="393" r:id="rId9"/>
     <p:sldId id="365" r:id="rId10"/>
-    <p:sldId id="384" r:id="rId11"/>
-    <p:sldId id="385" r:id="rId12"/>
+    <p:sldId id="398" r:id="rId11"/>
+    <p:sldId id="384" r:id="rId12"/>
     <p:sldId id="386" r:id="rId13"/>
     <p:sldId id="388" r:id="rId14"/>
     <p:sldId id="389" r:id="rId15"/>
@@ -642,7 +642,65 @@
               <a:tabLst/>
               <a:defRPr/>
             </a:pPr>
+            <a:r>
+              <a:rPr lang="en-US" dirty="0"/>
+              <a:t>What is necessary to author test cases?</a:t>
+            </a:r>
+          </a:p>
+          <a:p>
+            <a:pPr marL="0" marR="0" lvl="0" indent="0" algn="l" defTabSz="914400" rtl="0" eaLnBrk="1" fontAlgn="auto" latinLnBrk="0" hangingPunct="1">
+              <a:lnSpc>
+                <a:spcPct val="100000"/>
+              </a:lnSpc>
+              <a:spcBef>
+                <a:spcPts val="0"/>
+              </a:spcBef>
+              <a:spcAft>
+                <a:spcPts val="0"/>
+              </a:spcAft>
+              <a:buClrTx/>
+              <a:buSzTx/>
+              <a:buFontTx/>
+              <a:buNone/>
+              <a:tabLst/>
+              <a:defRPr/>
+            </a:pPr>
             <a:endParaRPr lang="en-US" dirty="0"/>
+          </a:p>
+          <a:p>
+            <a:pPr marL="0" marR="0" lvl="0" indent="0" algn="l" defTabSz="914400" rtl="0" eaLnBrk="1" fontAlgn="auto" latinLnBrk="0" hangingPunct="1">
+              <a:lnSpc>
+                <a:spcPct val="100000"/>
+              </a:lnSpc>
+              <a:spcBef>
+                <a:spcPts val="0"/>
+              </a:spcBef>
+              <a:spcAft>
+                <a:spcPts val="0"/>
+              </a:spcAft>
+              <a:buClrTx/>
+              <a:buSzTx/>
+              <a:buFontTx/>
+              <a:buNone/>
+              <a:tabLst/>
+              <a:defRPr/>
+            </a:pPr>
+            <a:r>
+              <a:rPr lang="en-US" dirty="0" err="1"/>
+              <a:t>valtools</a:t>
+            </a:r>
+            <a:r>
+              <a:rPr lang="en-US" dirty="0"/>
+              <a:t>::</a:t>
+            </a:r>
+            <a:r>
+              <a:rPr lang="en-US" dirty="0" err="1"/>
+              <a:t>vt_use_test_cases</a:t>
+            </a:r>
+            <a:r>
+              <a:rPr lang="en-US" dirty="0"/>
+              <a:t> creates a new test case file with prompts for essential elements. The content is written using markdown syntax, with roxygen2 tags for simple meta info.</a:t>
+            </a:r>
           </a:p>
         </p:txBody>
       </p:sp>
@@ -743,7 +801,73 @@
               <a:tabLst/>
               <a:defRPr/>
             </a:pPr>
+            <a:r>
+              <a:rPr lang="en-US" dirty="0"/>
+              <a:t>What is necessary to author test code?</a:t>
+            </a:r>
+          </a:p>
+          <a:p>
+            <a:pPr marL="0" marR="0" lvl="0" indent="0" algn="l" defTabSz="914400" rtl="0" eaLnBrk="1" fontAlgn="auto" latinLnBrk="0" hangingPunct="1">
+              <a:lnSpc>
+                <a:spcPct val="100000"/>
+              </a:lnSpc>
+              <a:spcBef>
+                <a:spcPts val="0"/>
+              </a:spcBef>
+              <a:spcAft>
+                <a:spcPts val="0"/>
+              </a:spcAft>
+              <a:buClrTx/>
+              <a:buSzTx/>
+              <a:buFontTx/>
+              <a:buNone/>
+              <a:tabLst/>
+              <a:defRPr/>
+            </a:pPr>
             <a:endParaRPr lang="en-US" dirty="0"/>
+          </a:p>
+          <a:p>
+            <a:pPr marL="0" marR="0" lvl="0" indent="0" algn="l" defTabSz="914400" rtl="0" eaLnBrk="1" fontAlgn="auto" latinLnBrk="0" hangingPunct="1">
+              <a:lnSpc>
+                <a:spcPct val="100000"/>
+              </a:lnSpc>
+              <a:spcBef>
+                <a:spcPts val="0"/>
+              </a:spcBef>
+              <a:spcAft>
+                <a:spcPts val="0"/>
+              </a:spcAft>
+              <a:buClrTx/>
+              <a:buSzTx/>
+              <a:buFontTx/>
+              <a:buNone/>
+              <a:tabLst/>
+              <a:defRPr/>
+            </a:pPr>
+            <a:r>
+              <a:rPr lang="en-US" dirty="0" err="1"/>
+              <a:t>valtools</a:t>
+            </a:r>
+            <a:r>
+              <a:rPr lang="en-US" dirty="0"/>
+              <a:t>::</a:t>
+            </a:r>
+            <a:r>
+              <a:rPr lang="en-US" dirty="0" err="1"/>
+              <a:t>vt_use_test_code</a:t>
+            </a:r>
+            <a:r>
+              <a:rPr lang="en-US" dirty="0"/>
+              <a:t> creates a new test code file with prompts for essential elements. The content is written using </a:t>
+            </a:r>
+            <a:r>
+              <a:rPr lang="en-US" dirty="0" err="1"/>
+              <a:t>testthat</a:t>
+            </a:r>
+            <a:r>
+              <a:rPr lang="en-US" dirty="0"/>
+              <a:t> syntax, with roxygen2 tags for simple meta info.</a:t>
+            </a:r>
           </a:p>
         </p:txBody>
       </p:sp>
@@ -844,7 +968,18 @@
               <a:tabLst/>
               <a:defRPr/>
             </a:pPr>
-            <a:endParaRPr lang="en-US" dirty="0"/>
+            <a:r>
+              <a:rPr lang="en-US" dirty="0"/>
+              <a:t>{</a:t>
+            </a:r>
+            <a:r>
+              <a:rPr lang="en-US" dirty="0" err="1"/>
+              <a:t>valtools</a:t>
+            </a:r>
+            <a:r>
+              <a:rPr lang="en-US" dirty="0"/>
+              <a:t>} defines users as the group of individuals that need to sign off on the report. </a:t>
+            </a:r>
           </a:p>
         </p:txBody>
       </p:sp>
@@ -1450,7 +1585,110 @@
               <a:tabLst/>
               <a:defRPr/>
             </a:pPr>
-            <a:endParaRPr lang="en-US" dirty="0"/>
+            <a:r>
+              <a:rPr lang="en-US" dirty="0"/>
+              <a:t>Validation report helpers manage the expectation of repeated rendering in a variety of scenarios:</a:t>
+            </a:r>
+          </a:p>
+          <a:p>
+            <a:pPr marL="171450" marR="0" lvl="0" indent="-171450" algn="l" defTabSz="914400" rtl="0" eaLnBrk="1" fontAlgn="auto" latinLnBrk="0" hangingPunct="1">
+              <a:lnSpc>
+                <a:spcPct val="100000"/>
+              </a:lnSpc>
+              <a:spcBef>
+                <a:spcPts val="0"/>
+              </a:spcBef>
+              <a:spcAft>
+                <a:spcPts val="0"/>
+              </a:spcAft>
+              <a:buClrTx/>
+              <a:buSzTx/>
+              <a:buFontTx/>
+              <a:buChar char="-"/>
+              <a:tabLst/>
+              <a:defRPr/>
+            </a:pPr>
+            <a:r>
+              <a:rPr lang="en-US" dirty="0"/>
+              <a:t>Validation separate from a package e.g. validation of third party authored packages</a:t>
+            </a:r>
+          </a:p>
+          <a:p>
+            <a:pPr marL="171450" marR="0" lvl="0" indent="-171450" algn="l" defTabSz="914400" rtl="0" eaLnBrk="1" fontAlgn="auto" latinLnBrk="0" hangingPunct="1">
+              <a:lnSpc>
+                <a:spcPct val="100000"/>
+              </a:lnSpc>
+              <a:spcBef>
+                <a:spcPts val="0"/>
+              </a:spcBef>
+              <a:spcAft>
+                <a:spcPts val="0"/>
+              </a:spcAft>
+              <a:buClrTx/>
+              <a:buSzTx/>
+              <a:buFontTx/>
+              <a:buChar char="-"/>
+              <a:tabLst/>
+              <a:defRPr/>
+            </a:pPr>
+            <a:r>
+              <a:rPr lang="en-US" dirty="0"/>
+              <a:t>Validation while developing, e.g. as part of </a:t>
+            </a:r>
+            <a:r>
+              <a:rPr lang="en-US" dirty="0" err="1"/>
+              <a:t>c.i</a:t>
+            </a:r>
+            <a:r>
+              <a:rPr lang="en-US" dirty="0"/>
+              <a:t> or for a git repo</a:t>
+            </a:r>
+          </a:p>
+          <a:p>
+            <a:pPr marL="171450" marR="0" lvl="0" indent="-171450" algn="l" defTabSz="914400" rtl="0" eaLnBrk="1" fontAlgn="auto" latinLnBrk="0" hangingPunct="1">
+              <a:lnSpc>
+                <a:spcPct val="100000"/>
+              </a:lnSpc>
+              <a:spcBef>
+                <a:spcPts val="0"/>
+              </a:spcBef>
+              <a:spcAft>
+                <a:spcPts val="0"/>
+              </a:spcAft>
+              <a:buClrTx/>
+              <a:buSzTx/>
+              <a:buFontTx/>
+              <a:buChar char="-"/>
+              <a:tabLst/>
+              <a:defRPr/>
+            </a:pPr>
+            <a:r>
+              <a:rPr lang="en-US" dirty="0"/>
+              <a:t>Validation after install, e.g. if the working environment has been updated</a:t>
+            </a:r>
+          </a:p>
+          <a:p>
+            <a:pPr marL="171450" marR="0" lvl="0" indent="-171450" algn="l" defTabSz="914400" rtl="0" eaLnBrk="1" fontAlgn="auto" latinLnBrk="0" hangingPunct="1">
+              <a:lnSpc>
+                <a:spcPct val="100000"/>
+              </a:lnSpc>
+              <a:spcBef>
+                <a:spcPts val="0"/>
+              </a:spcBef>
+              <a:spcAft>
+                <a:spcPts val="0"/>
+              </a:spcAft>
+              <a:buClrTx/>
+              <a:buSzTx/>
+              <a:buFontTx/>
+              <a:buChar char="-"/>
+              <a:tabLst/>
+              <a:defRPr/>
+            </a:pPr>
+            <a:r>
+              <a:rPr lang="en-US" dirty="0"/>
+              <a:t>Validation as part of distribution, e.g. when bundling for distribution</a:t>
+            </a:r>
           </a:p>
         </p:txBody>
       </p:sp>
@@ -2044,46 +2282,7 @@
             </a:r>
             <a:r>
               <a:rPr lang="en-US" dirty="0"/>
-              <a:t> is reliant on the </a:t>
-            </a:r>
-            <a:r>
-              <a:rPr lang="en-US" dirty="0" err="1"/>
-              <a:t>valdation.yml</a:t>
-            </a:r>
-            <a:r>
-              <a:rPr lang="en-US" dirty="0"/>
-              <a:t> file to tell it a lot of the intentions and locations for the validation</a:t>
-            </a:r>
-          </a:p>
-          <a:p>
-            <a:pPr marL="0" marR="0" lvl="0" indent="0" algn="l" defTabSz="914400" rtl="0" eaLnBrk="1" fontAlgn="auto" latinLnBrk="0" hangingPunct="1">
-              <a:lnSpc>
-                <a:spcPct val="100000"/>
-              </a:lnSpc>
-              <a:spcBef>
-                <a:spcPts val="0"/>
-              </a:spcBef>
-              <a:spcAft>
-                <a:spcPts val="0"/>
-              </a:spcAft>
-              <a:buClrTx/>
-              <a:buSzTx/>
-              <a:buFontTx/>
-              <a:buNone/>
-              <a:tabLst/>
-              <a:defRPr/>
-            </a:pPr>
-            <a:r>
-              <a:rPr lang="en-US" dirty="0"/>
-              <a:t>Most of the time users will not have to interact with the </a:t>
-            </a:r>
-            <a:r>
-              <a:rPr lang="en-US" dirty="0" err="1"/>
-              <a:t>yml</a:t>
-            </a:r>
-            <a:r>
-              <a:rPr lang="en-US" dirty="0"/>
-              <a:t>, provided helper functions</a:t>
+              <a:t> anticipates that validation information is stored with the following folder structure:</a:t>
             </a:r>
           </a:p>
           <a:p>
@@ -2105,6 +2304,409 @@
               <a:defRPr/>
             </a:pPr>
             <a:endParaRPr lang="en-US" dirty="0"/>
+          </a:p>
+          <a:p>
+            <a:pPr marL="228600" marR="0" lvl="0" indent="-228600" algn="l" defTabSz="914400" rtl="0" eaLnBrk="1" fontAlgn="auto" latinLnBrk="0" hangingPunct="1">
+              <a:lnSpc>
+                <a:spcPct val="100000"/>
+              </a:lnSpc>
+              <a:spcBef>
+                <a:spcPts val="0"/>
+              </a:spcBef>
+              <a:spcAft>
+                <a:spcPts val="0"/>
+              </a:spcAft>
+              <a:buClrTx/>
+              <a:buSzTx/>
+              <a:buFontTx/>
+              <a:buAutoNum type="arabicPeriod"/>
+              <a:tabLst/>
+              <a:defRPr/>
+            </a:pPr>
+            <a:r>
+              <a:rPr lang="en-US" dirty="0"/>
+              <a:t>A report RMD file which holds unevaluated code, and depends on contents of validation folder</a:t>
+            </a:r>
+          </a:p>
+          <a:p>
+            <a:pPr marL="228600" marR="0" lvl="0" indent="-228600" algn="l" defTabSz="914400" rtl="0" eaLnBrk="1" fontAlgn="auto" latinLnBrk="0" hangingPunct="1">
+              <a:lnSpc>
+                <a:spcPct val="100000"/>
+              </a:lnSpc>
+              <a:spcBef>
+                <a:spcPts val="0"/>
+              </a:spcBef>
+              <a:spcAft>
+                <a:spcPts val="0"/>
+              </a:spcAft>
+              <a:buClrTx/>
+              <a:buSzTx/>
+              <a:buFontTx/>
+              <a:buAutoNum type="arabicPeriod"/>
+              <a:tabLst/>
+              <a:defRPr/>
+            </a:pPr>
+            <a:r>
+              <a:rPr lang="en-US" dirty="0"/>
+              <a:t>A validation folder which includes:</a:t>
+            </a:r>
+          </a:p>
+          <a:p>
+            <a:pPr marL="685800" marR="0" lvl="1" indent="-228600" algn="l" defTabSz="914400" rtl="0" eaLnBrk="1" fontAlgn="auto" latinLnBrk="0" hangingPunct="1">
+              <a:lnSpc>
+                <a:spcPct val="100000"/>
+              </a:lnSpc>
+              <a:spcBef>
+                <a:spcPts val="0"/>
+              </a:spcBef>
+              <a:spcAft>
+                <a:spcPts val="0"/>
+              </a:spcAft>
+              <a:buClrTx/>
+              <a:buSzTx/>
+              <a:buFontTx/>
+              <a:buAutoNum type="arabicPeriod"/>
+              <a:tabLst/>
+              <a:defRPr/>
+            </a:pPr>
+            <a:r>
+              <a:rPr lang="en-US" dirty="0"/>
+              <a:t>Validation components: requirements, test cases and test code, each in their own sub-folder</a:t>
+            </a:r>
+          </a:p>
+          <a:p>
+            <a:pPr marL="685800" marR="0" lvl="1" indent="-228600" algn="l" defTabSz="914400" rtl="0" eaLnBrk="1" fontAlgn="auto" latinLnBrk="0" hangingPunct="1">
+              <a:lnSpc>
+                <a:spcPct val="100000"/>
+              </a:lnSpc>
+              <a:spcBef>
+                <a:spcPts val="0"/>
+              </a:spcBef>
+              <a:spcAft>
+                <a:spcPts val="0"/>
+              </a:spcAft>
+              <a:buClrTx/>
+              <a:buSzTx/>
+              <a:buFontTx/>
+              <a:buAutoNum type="arabicPeriod"/>
+              <a:tabLst/>
+              <a:defRPr/>
+            </a:pPr>
+            <a:r>
+              <a:rPr lang="en-US" dirty="0" err="1"/>
+              <a:t>validation.yml</a:t>
+            </a:r>
+            <a:r>
+              <a:rPr lang="en-US" dirty="0"/>
+              <a:t>: file containing configuration details. These are accessed and managed via {</a:t>
+            </a:r>
+            <a:r>
+              <a:rPr lang="en-US" dirty="0" err="1"/>
+              <a:t>valtools</a:t>
+            </a:r>
+            <a:r>
+              <a:rPr lang="en-US" dirty="0"/>
+              <a:t>} helper functions and include information such as:</a:t>
+            </a:r>
+          </a:p>
+          <a:p>
+            <a:pPr marL="1143000" marR="0" lvl="2" indent="-228600" algn="l" defTabSz="914400" rtl="0" eaLnBrk="1" fontAlgn="auto" latinLnBrk="0" hangingPunct="1">
+              <a:lnSpc>
+                <a:spcPct val="100000"/>
+              </a:lnSpc>
+              <a:spcBef>
+                <a:spcPts val="0"/>
+              </a:spcBef>
+              <a:spcAft>
+                <a:spcPts val="0"/>
+              </a:spcAft>
+              <a:buClrTx/>
+              <a:buSzTx/>
+              <a:buFontTx/>
+              <a:buAutoNum type="arabicPeriod"/>
+              <a:tabLst/>
+              <a:defRPr/>
+            </a:pPr>
+            <a:r>
+              <a:rPr lang="en-US" dirty="0"/>
+              <a:t>Working directory</a:t>
+            </a:r>
+          </a:p>
+          <a:p>
+            <a:pPr marL="1143000" marR="0" lvl="2" indent="-228600" algn="l" defTabSz="914400" rtl="0" eaLnBrk="1" fontAlgn="auto" latinLnBrk="0" hangingPunct="1">
+              <a:lnSpc>
+                <a:spcPct val="100000"/>
+              </a:lnSpc>
+              <a:spcBef>
+                <a:spcPts val="0"/>
+              </a:spcBef>
+              <a:spcAft>
+                <a:spcPts val="0"/>
+              </a:spcAft>
+              <a:buClrTx/>
+              <a:buSzTx/>
+              <a:buFontTx/>
+              <a:buAutoNum type="arabicPeriod"/>
+              <a:tabLst/>
+              <a:defRPr/>
+            </a:pPr>
+            <a:r>
+              <a:rPr lang="en-US" dirty="0"/>
+              <a:t>Output directory</a:t>
+            </a:r>
+          </a:p>
+          <a:p>
+            <a:pPr marL="1143000" marR="0" lvl="2" indent="-228600" algn="l" defTabSz="914400" rtl="0" eaLnBrk="1" fontAlgn="auto" latinLnBrk="0" hangingPunct="1">
+              <a:lnSpc>
+                <a:spcPct val="100000"/>
+              </a:lnSpc>
+              <a:spcBef>
+                <a:spcPts val="0"/>
+              </a:spcBef>
+              <a:spcAft>
+                <a:spcPts val="0"/>
+              </a:spcAft>
+              <a:buClrTx/>
+              <a:buSzTx/>
+              <a:buFontTx/>
+              <a:buAutoNum type="arabicPeriod"/>
+              <a:tabLst/>
+              <a:defRPr/>
+            </a:pPr>
+            <a:r>
+              <a:rPr lang="en-US" dirty="0"/>
+              <a:t>User details</a:t>
+            </a:r>
+          </a:p>
+          <a:p>
+            <a:pPr marL="1143000" marR="0" lvl="2" indent="-228600" algn="l" defTabSz="914400" rtl="0" eaLnBrk="1" fontAlgn="auto" latinLnBrk="0" hangingPunct="1">
+              <a:lnSpc>
+                <a:spcPct val="100000"/>
+              </a:lnSpc>
+              <a:spcBef>
+                <a:spcPts val="0"/>
+              </a:spcBef>
+              <a:spcAft>
+                <a:spcPts val="0"/>
+              </a:spcAft>
+              <a:buClrTx/>
+              <a:buSzTx/>
+              <a:buFontTx/>
+              <a:buAutoNum type="arabicPeriod"/>
+              <a:tabLst/>
+              <a:defRPr/>
+            </a:pPr>
+            <a:r>
+              <a:rPr lang="en-US" dirty="0"/>
+              <a:t>Ordering of validation child files</a:t>
+            </a:r>
+          </a:p>
+          <a:p>
+            <a:pPr marL="228600" marR="0" lvl="0" indent="-228600" algn="l" defTabSz="914400" rtl="0" eaLnBrk="1" fontAlgn="auto" latinLnBrk="0" hangingPunct="1">
+              <a:lnSpc>
+                <a:spcPct val="100000"/>
+              </a:lnSpc>
+              <a:spcBef>
+                <a:spcPts val="0"/>
+              </a:spcBef>
+              <a:spcAft>
+                <a:spcPts val="0"/>
+              </a:spcAft>
+              <a:buClrTx/>
+              <a:buSzTx/>
+              <a:buFontTx/>
+              <a:buAutoNum type="arabicPeriod"/>
+              <a:tabLst/>
+              <a:defRPr/>
+            </a:pPr>
+            <a:r>
+              <a:rPr lang="en-US" dirty="0"/>
+              <a:t>[Optional] change log </a:t>
+            </a:r>
+          </a:p>
+          <a:p>
+            <a:pPr marL="228600" marR="0" lvl="0" indent="-228600" algn="l" defTabSz="914400" rtl="0" eaLnBrk="1" fontAlgn="auto" latinLnBrk="0" hangingPunct="1">
+              <a:lnSpc>
+                <a:spcPct val="100000"/>
+              </a:lnSpc>
+              <a:spcBef>
+                <a:spcPts val="0"/>
+              </a:spcBef>
+              <a:spcAft>
+                <a:spcPts val="0"/>
+              </a:spcAft>
+              <a:buClrTx/>
+              <a:buSzTx/>
+              <a:buFontTx/>
+              <a:buAutoNum type="arabicPeriod"/>
+              <a:tabLst/>
+              <a:defRPr/>
+            </a:pPr>
+            <a:r>
+              <a:rPr lang="en-US" dirty="0"/>
+              <a:t>Various files for compatibility with git and </a:t>
+            </a:r>
+            <a:r>
+              <a:rPr lang="en-US" dirty="0" err="1"/>
+              <a:t>usethis</a:t>
+            </a:r>
+            <a:r>
+              <a:rPr lang="en-US" dirty="0"/>
+              <a:t> (via here)</a:t>
+            </a:r>
+          </a:p>
+          <a:p>
+            <a:pPr marL="0" marR="0" lvl="0" indent="0" algn="l" defTabSz="914400" rtl="0" eaLnBrk="1" fontAlgn="auto" latinLnBrk="0" hangingPunct="1">
+              <a:lnSpc>
+                <a:spcPct val="100000"/>
+              </a:lnSpc>
+              <a:spcBef>
+                <a:spcPts val="0"/>
+              </a:spcBef>
+              <a:spcAft>
+                <a:spcPts val="0"/>
+              </a:spcAft>
+              <a:buClrTx/>
+              <a:buSzTx/>
+              <a:buFontTx/>
+              <a:buNone/>
+              <a:tabLst/>
+              <a:defRPr/>
+            </a:pPr>
+            <a:endParaRPr lang="en-US" dirty="0"/>
+          </a:p>
+          <a:p>
+            <a:pPr marL="0" marR="0" lvl="0" indent="0" algn="l" defTabSz="914400" rtl="0" eaLnBrk="1" fontAlgn="auto" latinLnBrk="0" hangingPunct="1">
+              <a:lnSpc>
+                <a:spcPct val="100000"/>
+              </a:lnSpc>
+              <a:spcBef>
+                <a:spcPts val="0"/>
+              </a:spcBef>
+              <a:spcAft>
+                <a:spcPts val="0"/>
+              </a:spcAft>
+              <a:buClrTx/>
+              <a:buSzTx/>
+              <a:buFontTx/>
+              <a:buNone/>
+              <a:tabLst/>
+              <a:defRPr/>
+            </a:pPr>
+            <a:endParaRPr lang="en-US" dirty="0"/>
+          </a:p>
+          <a:p>
+            <a:pPr marL="0" marR="0" lvl="0" indent="0" algn="l" defTabSz="914400" rtl="0" eaLnBrk="1" fontAlgn="auto" latinLnBrk="0" hangingPunct="1">
+              <a:lnSpc>
+                <a:spcPct val="100000"/>
+              </a:lnSpc>
+              <a:spcBef>
+                <a:spcPts val="0"/>
+              </a:spcBef>
+              <a:spcAft>
+                <a:spcPts val="0"/>
+              </a:spcAft>
+              <a:buClrTx/>
+              <a:buSzTx/>
+              <a:buFontTx/>
+              <a:buNone/>
+              <a:tabLst/>
+              <a:defRPr/>
+            </a:pPr>
+            <a:r>
+              <a:rPr lang="en-US" dirty="0"/>
+              <a:t>There are a few ways to add this skeleton to your project:</a:t>
+            </a:r>
+          </a:p>
+          <a:p>
+            <a:pPr marL="0" marR="0" lvl="0" indent="0" algn="l" defTabSz="914400" rtl="0" eaLnBrk="1" fontAlgn="auto" latinLnBrk="0" hangingPunct="1">
+              <a:lnSpc>
+                <a:spcPct val="100000"/>
+              </a:lnSpc>
+              <a:spcBef>
+                <a:spcPts val="0"/>
+              </a:spcBef>
+              <a:spcAft>
+                <a:spcPts val="0"/>
+              </a:spcAft>
+              <a:buClrTx/>
+              <a:buSzTx/>
+              <a:buFontTx/>
+              <a:buNone/>
+              <a:tabLst/>
+              <a:defRPr/>
+            </a:pPr>
+            <a:endParaRPr lang="en-US" dirty="0"/>
+          </a:p>
+          <a:p>
+            <a:pPr marL="171450" marR="0" lvl="0" indent="-171450" algn="l" defTabSz="914400" rtl="0" eaLnBrk="1" fontAlgn="auto" latinLnBrk="0" hangingPunct="1">
+              <a:lnSpc>
+                <a:spcPct val="100000"/>
+              </a:lnSpc>
+              <a:spcBef>
+                <a:spcPts val="0"/>
+              </a:spcBef>
+              <a:spcAft>
+                <a:spcPts val="0"/>
+              </a:spcAft>
+              <a:buClrTx/>
+              <a:buSzTx/>
+              <a:buFontTx/>
+              <a:buChar char="-"/>
+              <a:tabLst/>
+              <a:defRPr/>
+            </a:pPr>
+            <a:r>
+              <a:rPr lang="en-US" dirty="0"/>
+              <a:t>`</a:t>
+            </a:r>
+            <a:r>
+              <a:rPr lang="en-US" dirty="0" err="1"/>
+              <a:t>vt_use_validation</a:t>
+            </a:r>
+            <a:r>
+              <a:rPr lang="en-US" dirty="0"/>
+              <a:t>`: add just the validation folder to an existing directory</a:t>
+            </a:r>
+          </a:p>
+          <a:p>
+            <a:pPr marL="171450" marR="0" lvl="0" indent="-171450" algn="l" defTabSz="914400" rtl="0" eaLnBrk="1" fontAlgn="auto" latinLnBrk="0" hangingPunct="1">
+              <a:lnSpc>
+                <a:spcPct val="100000"/>
+              </a:lnSpc>
+              <a:spcBef>
+                <a:spcPts val="0"/>
+              </a:spcBef>
+              <a:spcAft>
+                <a:spcPts val="0"/>
+              </a:spcAft>
+              <a:buClrTx/>
+              <a:buSzTx/>
+              <a:buFontTx/>
+              <a:buChar char="-"/>
+              <a:tabLst/>
+              <a:defRPr/>
+            </a:pPr>
+            <a:r>
+              <a:rPr lang="en-US" dirty="0"/>
+              <a:t>`</a:t>
+            </a:r>
+            <a:r>
+              <a:rPr lang="en-US" dirty="0" err="1"/>
+              <a:t>vt_create_package</a:t>
+            </a:r>
+            <a:r>
+              <a:rPr lang="en-US" dirty="0"/>
+              <a:t>`: initiate a new R package via {</a:t>
+            </a:r>
+            <a:r>
+              <a:rPr lang="en-US" dirty="0" err="1"/>
+              <a:t>usethis</a:t>
+            </a:r>
+            <a:r>
+              <a:rPr lang="en-US" dirty="0"/>
+              <a:t>} and include validation infrastructure.</a:t>
+            </a:r>
           </a:p>
         </p:txBody>
       </p:sp>
@@ -2305,7 +2907,18 @@
               <a:tabLst/>
               <a:defRPr/>
             </a:pPr>
-            <a:endParaRPr lang="en-US" dirty="0"/>
+            <a:r>
+              <a:rPr lang="en-US" dirty="0"/>
+              <a:t>Taking a step back to FDA guidance, there is no mention of the infrastructure to manage components of validation. {</a:t>
+            </a:r>
+            <a:r>
+              <a:rPr lang="en-US" dirty="0" err="1"/>
+              <a:t>valtools</a:t>
+            </a:r>
+            <a:r>
+              <a:rPr lang="en-US" dirty="0"/>
+              <a:t>} implements a framework for handling the organization of validation of R packages, so authors can focus on content creation.</a:t>
+            </a:r>
           </a:p>
         </p:txBody>
       </p:sp>
@@ -2406,7 +3019,18 @@
               <a:tabLst/>
               <a:defRPr/>
             </a:pPr>
-            <a:endParaRPr lang="en-US" dirty="0"/>
+            <a:r>
+              <a:rPr lang="en-US" dirty="0"/>
+              <a:t>{</a:t>
+            </a:r>
+            <a:r>
+              <a:rPr lang="en-US" dirty="0" err="1"/>
+              <a:t>valtools</a:t>
+            </a:r>
+            <a:r>
+              <a:rPr lang="en-US" dirty="0"/>
+              <a:t>} cannot help you decide what goes into components of validation. Requirements, Test cases, test code still need to be authored and subject to human review.</a:t>
+            </a:r>
           </a:p>
         </p:txBody>
       </p:sp>
@@ -2436,7 +3060,7 @@
     </p:spTree>
     <p:extLst>
       <p:ext uri="{BB962C8B-B14F-4D97-AF65-F5344CB8AC3E}">
-        <p14:creationId xmlns:p14="http://schemas.microsoft.com/office/powerpoint/2010/main" val="3522713065"/>
+        <p14:creationId xmlns:p14="http://schemas.microsoft.com/office/powerpoint/2010/main" val="3611361550"/>
       </p:ext>
     </p:extLst>
   </p:cSld>
@@ -2507,7 +3131,18 @@
               <a:tabLst/>
               <a:defRPr/>
             </a:pPr>
-            <a:endParaRPr lang="en-US" dirty="0"/>
+            <a:r>
+              <a:rPr lang="en-US" dirty="0"/>
+              <a:t>{</a:t>
+            </a:r>
+            <a:r>
+              <a:rPr lang="en-US" dirty="0" err="1"/>
+              <a:t>valtools</a:t>
+            </a:r>
+            <a:r>
+              <a:rPr lang="en-US" dirty="0"/>
+              <a:t>} provides tools to quickly grab info including validation components, testing environment details and the results of executing test code in a reproducible manner.</a:t>
+            </a:r>
           </a:p>
         </p:txBody>
       </p:sp>
@@ -2537,7 +3172,7 @@
     </p:spTree>
     <p:extLst>
       <p:ext uri="{BB962C8B-B14F-4D97-AF65-F5344CB8AC3E}">
-        <p14:creationId xmlns:p14="http://schemas.microsoft.com/office/powerpoint/2010/main" val="1158994400"/>
+        <p14:creationId xmlns:p14="http://schemas.microsoft.com/office/powerpoint/2010/main" val="3522713065"/>
       </p:ext>
     </p:extLst>
   </p:cSld>
@@ -2608,7 +3243,65 @@
               <a:tabLst/>
               <a:defRPr/>
             </a:pPr>
+            <a:r>
+              <a:rPr lang="en-US" dirty="0"/>
+              <a:t>What is needed to author requirements?</a:t>
+            </a:r>
+          </a:p>
+          <a:p>
+            <a:pPr marL="0" marR="0" lvl="0" indent="0" algn="l" defTabSz="914400" rtl="0" eaLnBrk="1" fontAlgn="auto" latinLnBrk="0" hangingPunct="1">
+              <a:lnSpc>
+                <a:spcPct val="100000"/>
+              </a:lnSpc>
+              <a:spcBef>
+                <a:spcPts val="0"/>
+              </a:spcBef>
+              <a:spcAft>
+                <a:spcPts val="0"/>
+              </a:spcAft>
+              <a:buClrTx/>
+              <a:buSzTx/>
+              <a:buFontTx/>
+              <a:buNone/>
+              <a:tabLst/>
+              <a:defRPr/>
+            </a:pPr>
             <a:endParaRPr lang="en-US" dirty="0"/>
+          </a:p>
+          <a:p>
+            <a:pPr marL="0" marR="0" lvl="0" indent="0" algn="l" defTabSz="914400" rtl="0" eaLnBrk="1" fontAlgn="auto" latinLnBrk="0" hangingPunct="1">
+              <a:lnSpc>
+                <a:spcPct val="100000"/>
+              </a:lnSpc>
+              <a:spcBef>
+                <a:spcPts val="0"/>
+              </a:spcBef>
+              <a:spcAft>
+                <a:spcPts val="0"/>
+              </a:spcAft>
+              <a:buClrTx/>
+              <a:buSzTx/>
+              <a:buFontTx/>
+              <a:buNone/>
+              <a:tabLst/>
+              <a:defRPr/>
+            </a:pPr>
+            <a:r>
+              <a:rPr lang="en-US" dirty="0" err="1"/>
+              <a:t>valtools</a:t>
+            </a:r>
+            <a:r>
+              <a:rPr lang="en-US" dirty="0"/>
+              <a:t>::</a:t>
+            </a:r>
+            <a:r>
+              <a:rPr lang="en-US" dirty="0" err="1"/>
+              <a:t>vt_use_req</a:t>
+            </a:r>
+            <a:r>
+              <a:rPr lang="en-US" dirty="0"/>
+              <a:t> creates a new requirement file with prompts for essential elements. The content is written using markdown syntax, with roxygen2 tags for simple meta info.</a:t>
+            </a:r>
           </a:p>
         </p:txBody>
       </p:sp>
@@ -7708,7 +8401,7 @@
             </a:pPr>
             <a:r>
               <a:rPr lang="en-US" sz="2800" dirty="0"/>
-              <a:t>Two types: full validation report and a requirements approval template</a:t>
+              <a:t>Two templates included: full validation report and a requirements approval report</a:t>
             </a:r>
           </a:p>
         </p:txBody>
@@ -8395,8 +9088,8 @@
         </p:nvSpPr>
         <p:spPr>
           <a:xfrm>
-            <a:off x="1540934" y="2218267"/>
-            <a:ext cx="10186778" cy="4216539"/>
+            <a:off x="1552508" y="1859452"/>
+            <a:ext cx="10186778" cy="5570756"/>
           </a:xfrm>
           <a:prstGeom prst="rect">
             <a:avLst/>
@@ -8415,36 +9108,73 @@
             </a:pPr>
             <a:r>
               <a:rPr lang="en-US" sz="2800" dirty="0"/>
-              <a:t>Validation Report intended to be dynamic</a:t>
-            </a:r>
+              <a:t>Validation Report contains pointers for repeated evaluation across different validation environments</a:t>
+            </a:r>
+          </a:p>
+          <a:p>
+            <a:endParaRPr lang="en-US" sz="2800" dirty="0"/>
           </a:p>
           <a:p>
             <a:pPr marL="285750" indent="-285750">
               <a:buFont typeface="Arial" panose="020B0604020202020204" pitchFamily="34" charset="0"/>
               <a:buChar char="•"/>
             </a:pPr>
+            <a:r>
+              <a:rPr lang="en-US" sz="2800" dirty="0"/>
+              <a:t>Order of child files can be specified by </a:t>
+            </a:r>
+            <a:r>
+              <a:rPr lang="en-US" sz="2800" dirty="0" err="1"/>
+              <a:t>validation.yml</a:t>
+            </a:r>
             <a:endParaRPr lang="en-US" sz="2800" dirty="0"/>
           </a:p>
           <a:p>
-            <a:pPr marL="285750" indent="-285750">
+            <a:pPr marL="742950" lvl="1" indent="-285750">
               <a:buFont typeface="Arial" panose="020B0604020202020204" pitchFamily="34" charset="0"/>
               <a:buChar char="•"/>
             </a:pPr>
             <a:r>
-              <a:rPr lang="en-US" sz="2800" dirty="0"/>
-              <a:t>Order of child files determined by </a:t>
-            </a:r>
-            <a:r>
-              <a:rPr lang="en-US" sz="2800" dirty="0" err="1"/>
-              <a:t>validation.yml</a:t>
-            </a:r>
-            <a:endParaRPr lang="en-US" sz="2800" dirty="0"/>
-          </a:p>
-          <a:p>
-            <a:pPr marL="285750" indent="-285750">
+              <a:rPr lang="en-US" sz="2000" dirty="0"/>
+              <a:t>Default is grouped by “requirements”, “</a:t>
+            </a:r>
+            <a:r>
+              <a:rPr lang="en-US" sz="2000" dirty="0" err="1"/>
+              <a:t>test_cases</a:t>
+            </a:r>
+            <a:r>
+              <a:rPr lang="en-US" sz="2000" dirty="0"/>
+              <a:t>”, “</a:t>
+            </a:r>
+            <a:r>
+              <a:rPr lang="en-US" sz="2000" dirty="0" err="1"/>
+              <a:t>test_code</a:t>
+            </a:r>
+            <a:r>
+              <a:rPr lang="en-US" sz="2000" dirty="0"/>
+              <a:t>” and then alphabetically</a:t>
+            </a:r>
+          </a:p>
+          <a:p>
+            <a:pPr marL="742950" lvl="1" indent="-285750">
               <a:buFont typeface="Arial" panose="020B0604020202020204" pitchFamily="34" charset="0"/>
               <a:buChar char="•"/>
             </a:pPr>
+            <a:r>
+              <a:rPr lang="en-US" sz="2000" dirty="0"/>
+              <a:t>Control via </a:t>
+            </a:r>
+            <a:r>
+              <a:rPr lang="en-US" sz="2000" dirty="0" err="1"/>
+              <a:t>vt_get_child_files</a:t>
+            </a:r>
+            <a:r>
+              <a:rPr lang="en-US" sz="2000" dirty="0"/>
+              <a:t>()</a:t>
+            </a:r>
+          </a:p>
+          <a:p>
+            <a:pPr lvl="1"/>
             <a:endParaRPr lang="en-US" sz="2800" dirty="0"/>
           </a:p>
           <a:p>
@@ -8894,7 +9624,12 @@
             <p:ph idx="1"/>
           </p:nvPr>
         </p:nvSpPr>
-        <p:spPr/>
+        <p:spPr>
+          <a:xfrm>
+            <a:off x="1066800" y="1924700"/>
+            <a:ext cx="10058400" cy="4290706"/>
+          </a:xfrm>
+        </p:spPr>
         <p:txBody>
           <a:bodyPr>
             <a:normAutofit/>
@@ -8903,46 +9638,31 @@
           <a:p>
             <a:pPr lvl="1"/>
             <a:r>
-              <a:rPr lang="en-US" sz="2800" dirty="0" err="1"/>
-              <a:t>vt_use_validation</a:t>
-            </a:r>
-            <a:r>
-              <a:rPr lang="en-US" sz="2800" dirty="0"/>
-              <a:t>()</a:t>
-            </a:r>
-          </a:p>
-          <a:p>
-            <a:pPr marL="274320" lvl="1" indent="0">
-              <a:buNone/>
-            </a:pPr>
-            <a:endParaRPr lang="en-US" sz="3000" dirty="0"/>
+              <a:rPr lang="en-US" sz="3000" dirty="0"/>
+              <a:t>report .RMD</a:t>
+            </a:r>
           </a:p>
           <a:p>
             <a:pPr lvl="1"/>
             <a:r>
-              <a:rPr lang="en-US" sz="2800" dirty="0"/>
-              <a:t>Create </a:t>
-            </a:r>
-            <a:r>
-              <a:rPr lang="en-US" sz="2800" dirty="0" err="1"/>
-              <a:t>valdation</a:t>
-            </a:r>
-            <a:r>
-              <a:rPr lang="en-US" sz="2800" dirty="0"/>
-              <a:t> folder</a:t>
+              <a:rPr lang="en-US" sz="3000" dirty="0"/>
+              <a:t>validation folder</a:t>
             </a:r>
           </a:p>
           <a:p>
             <a:pPr lvl="2"/>
             <a:r>
-              <a:rPr lang="en-US" sz="2800" dirty="0"/>
-              <a:t>Create </a:t>
-            </a:r>
-            <a:r>
-              <a:rPr lang="en-US" sz="2800" dirty="0" err="1"/>
+              <a:rPr lang="en-US" sz="2400" dirty="0"/>
+              <a:t>validation components</a:t>
+            </a:r>
+          </a:p>
+          <a:p>
+            <a:pPr lvl="2"/>
+            <a:r>
+              <a:rPr lang="en-US" sz="2400" dirty="0" err="1"/>
               <a:t>validation.yml</a:t>
             </a:r>
-            <a:endParaRPr lang="en-US" sz="2800" dirty="0"/>
+            <a:endParaRPr lang="en-US" sz="2400" dirty="0"/>
           </a:p>
           <a:p>
             <a:pPr lvl="3"/>
@@ -8969,8 +9689,38 @@
             <a:pPr lvl="3"/>
             <a:r>
               <a:rPr lang="en-US" sz="2000" dirty="0"/>
-              <a:t>Validation files</a:t>
-            </a:r>
+              <a:t>Ordering of validation child files</a:t>
+            </a:r>
+          </a:p>
+          <a:p>
+            <a:pPr lvl="2"/>
+            <a:r>
+              <a:rPr lang="en-US" sz="2400" dirty="0"/>
+              <a:t>[optional] change log</a:t>
+            </a:r>
+          </a:p>
+          <a:p>
+            <a:pPr lvl="1"/>
+            <a:r>
+              <a:rPr lang="en-US" sz="2500" dirty="0"/>
+              <a:t>[as needed] .</a:t>
+            </a:r>
+            <a:r>
+              <a:rPr lang="en-US" sz="2500" dirty="0" err="1"/>
+              <a:t>gitignore</a:t>
+            </a:r>
+            <a:r>
+              <a:rPr lang="en-US" sz="2500" dirty="0"/>
+              <a:t>, .here</a:t>
+            </a:r>
+          </a:p>
+          <a:p>
+            <a:pPr lvl="2"/>
+            <a:endParaRPr lang="en-US" sz="2400" dirty="0"/>
+          </a:p>
+          <a:p>
+            <a:pPr lvl="2"/>
+            <a:endParaRPr lang="en-US" sz="2000" dirty="0"/>
           </a:p>
           <a:p>
             <a:pPr lvl="3"/>
@@ -8978,6 +9728,36 @@
           </a:p>
         </p:txBody>
       </p:sp>
+      <p:pic>
+        <p:nvPicPr>
+          <p:cNvPr id="6" name="Picture 5" descr="Screenshot of folder structure expected by valtools for validation elements">
+            <a:extLst>
+              <a:ext uri="{FF2B5EF4-FFF2-40B4-BE49-F238E27FC236}">
+                <a16:creationId xmlns:a16="http://schemas.microsoft.com/office/drawing/2014/main" id="{E63E870D-0347-4322-B695-F267DBD63E13}"/>
+              </a:ext>
+            </a:extLst>
+          </p:cNvPr>
+          <p:cNvPicPr>
+            <a:picLocks noChangeAspect="1"/>
+          </p:cNvPicPr>
+          <p:nvPr/>
+        </p:nvPicPr>
+        <p:blipFill>
+          <a:blip r:embed="rId3"/>
+          <a:stretch>
+            <a:fillRect/>
+          </a:stretch>
+        </p:blipFill>
+        <p:spPr>
+          <a:xfrm>
+            <a:off x="6831981" y="1919124"/>
+            <a:ext cx="4374995" cy="3602500"/>
+          </a:xfrm>
+          <a:prstGeom prst="rect">
+            <a:avLst/>
+          </a:prstGeom>
+        </p:spPr>
+      </p:pic>
     </p:spTree>
     <p:extLst>
       <p:ext uri="{BB962C8B-B14F-4D97-AF65-F5344CB8AC3E}">
@@ -9176,12 +9956,21 @@
         </p:nvSpPr>
         <p:spPr/>
         <p:txBody>
-          <a:bodyPr/>
+          <a:bodyPr>
+            <a:normAutofit/>
+          </a:bodyPr>
           <a:lstStyle/>
           <a:p>
             <a:r>
               <a:rPr lang="en-US" dirty="0"/>
-              <a:t>Validation Components</a:t>
+              <a:t>Validation Components – </a:t>
+            </a:r>
+            <a:br>
+              <a:rPr lang="en-US" dirty="0"/>
+            </a:br>
+            <a:r>
+              <a:rPr lang="en-US" sz="3200" dirty="0"/>
+              <a:t>what needs to be authored?</a:t>
             </a:r>
           </a:p>
         </p:txBody>
@@ -9226,7 +10015,7 @@
             <a:pPr lvl="1"/>
             <a:r>
               <a:rPr lang="en-US" sz="3000" dirty="0"/>
-              <a:t>Test Code &amp; Results</a:t>
+              <a:t>Test Code</a:t>
             </a:r>
           </a:p>
         </p:txBody>
@@ -9234,7 +10023,7 @@
     </p:spTree>
     <p:extLst>
       <p:ext uri="{BB962C8B-B14F-4D97-AF65-F5344CB8AC3E}">
-        <p14:creationId xmlns:p14="http://schemas.microsoft.com/office/powerpoint/2010/main" val="1233691812"/>
+        <p14:creationId xmlns:p14="http://schemas.microsoft.com/office/powerpoint/2010/main" val="2952442741"/>
       </p:ext>
     </p:extLst>
   </p:cSld>
@@ -9279,13 +10068,23 @@
         </p:nvSpPr>
         <p:spPr/>
         <p:txBody>
-          <a:bodyPr/>
+          <a:bodyPr>
+            <a:normAutofit/>
+          </a:bodyPr>
           <a:lstStyle/>
           <a:p>
             <a:r>
               <a:rPr lang="en-US" dirty="0"/>
-              <a:t>Validation Components</a:t>
-            </a:r>
+              <a:t>Validation Reporting – </a:t>
+            </a:r>
+            <a:br>
+              <a:rPr lang="en-US" dirty="0"/>
+            </a:br>
+            <a:r>
+              <a:rPr lang="en-US" sz="3100" dirty="0"/>
+              <a:t>what can be tracked by automating?</a:t>
+            </a:r>
+            <a:endParaRPr lang="en-US" dirty="0"/>
           </a:p>
         </p:txBody>
       </p:sp>
@@ -9315,21 +10114,28 @@
             <a:pPr lvl="1"/>
             <a:r>
               <a:rPr lang="en-US" sz="3000" dirty="0"/>
-              <a:t>Requirements</a:t>
+              <a:t>Authorship</a:t>
             </a:r>
           </a:p>
           <a:p>
             <a:pPr lvl="1"/>
             <a:r>
               <a:rPr lang="en-US" sz="3000" dirty="0"/>
-              <a:t>Test Cases</a:t>
+              <a:t>Most recent edit dates</a:t>
             </a:r>
           </a:p>
           <a:p>
             <a:pPr lvl="1"/>
             <a:r>
               <a:rPr lang="en-US" sz="3000" dirty="0"/>
-              <a:t>Test Code &amp; Results</a:t>
+              <a:t>Testing environment</a:t>
+            </a:r>
+          </a:p>
+          <a:p>
+            <a:pPr lvl="1"/>
+            <a:r>
+              <a:rPr lang="en-US" sz="3000" dirty="0"/>
+              <a:t>Test results</a:t>
             </a:r>
           </a:p>
         </p:txBody>
@@ -9337,7 +10143,7 @@
     </p:spTree>
     <p:extLst>
       <p:ext uri="{BB962C8B-B14F-4D97-AF65-F5344CB8AC3E}">
-        <p14:creationId xmlns:p14="http://schemas.microsoft.com/office/powerpoint/2010/main" val="1101644636"/>
+        <p14:creationId xmlns:p14="http://schemas.microsoft.com/office/powerpoint/2010/main" val="1233691812"/>
       </p:ext>
     </p:extLst>
   </p:cSld>
@@ -10088,6 +10894,24 @@
 </file>
 
 <file path=customXml/item1.xml><?xml version="1.0" encoding="utf-8"?>
+<?mso-contentType ?>
+<FormTemplates xmlns="http://schemas.microsoft.com/sharepoint/v3/contenttype/forms">
+  <Display>DocumentLibraryForm</Display>
+  <Edit>DocumentLibraryForm</Edit>
+  <New>DocumentLibraryForm</New>
+</FormTemplates>
+</file>
+
+<file path=customXml/item2.xml><?xml version="1.0" encoding="utf-8"?>
+<p:properties xmlns:p="http://schemas.microsoft.com/office/2006/metadata/properties" xmlns:xsi="http://www.w3.org/2001/XMLSchema-instance" xmlns:pc="http://schemas.microsoft.com/office/infopath/2007/PartnerControls">
+  <documentManagement>
+    <Status xmlns="71af3243-3dd4-4a8d-8c0d-dd76da1f02a5">Not started</Status>
+    <MediaServiceKeyPoints xmlns="71af3243-3dd4-4a8d-8c0d-dd76da1f02a5" xsi:nil="true"/>
+  </documentManagement>
+</p:properties>
+</file>
+
+<file path=customXml/item3.xml><?xml version="1.0" encoding="utf-8"?>
 <ct:contentTypeSchema xmlns:ct="http://schemas.microsoft.com/office/2006/metadata/contentType" xmlns:ma="http://schemas.microsoft.com/office/2006/metadata/properties/metaAttributes" ct:_="" ma:_="" ma:contentTypeName="Document" ma:contentTypeID="0x01010079F111ED35F8CC479449609E8A0923A6" ma:contentTypeVersion="12" ma:contentTypeDescription="Create a new document." ma:contentTypeScope="" ma:versionID="a410dd7f93c95333ffa1b60ed6adedd1">
   <xsd:schema xmlns:xsd="http://www.w3.org/2001/XMLSchema" xmlns:xs="http://www.w3.org/2001/XMLSchema" xmlns:p="http://schemas.microsoft.com/office/2006/metadata/properties" xmlns:ns2="71af3243-3dd4-4a8d-8c0d-dd76da1f02a5" xmlns:ns3="16c05727-aa75-4e4a-9b5f-8a80a1165891" targetNamespace="http://schemas.microsoft.com/office/2006/metadata/properties" ma:root="true" ma:fieldsID="a936d9baba76aa3866493feff160faab" ns2:_="" ns3:_="">
     <xsd:import namespace="71af3243-3dd4-4a8d-8c0d-dd76da1f02a5"/>
@@ -10308,39 +11132,10 @@
 </ct:contentTypeSchema>
 </file>
 
-<file path=customXml/item2.xml><?xml version="1.0" encoding="utf-8"?>
-<p:properties xmlns:p="http://schemas.microsoft.com/office/2006/metadata/properties" xmlns:xsi="http://www.w3.org/2001/XMLSchema-instance" xmlns:pc="http://schemas.microsoft.com/office/infopath/2007/PartnerControls">
-  <documentManagement>
-    <Status xmlns="71af3243-3dd4-4a8d-8c0d-dd76da1f02a5">Not started</Status>
-    <MediaServiceKeyPoints xmlns="71af3243-3dd4-4a8d-8c0d-dd76da1f02a5" xsi:nil="true"/>
-  </documentManagement>
-</p:properties>
-</file>
-
-<file path=customXml/item3.xml><?xml version="1.0" encoding="utf-8"?>
-<?mso-contentType ?>
-<FormTemplates xmlns="http://schemas.microsoft.com/sharepoint/v3/contenttype/forms">
-  <Display>DocumentLibraryForm</Display>
-  <Edit>DocumentLibraryForm</Edit>
-  <New>DocumentLibraryForm</New>
-</FormTemplates>
-</file>
-
 <file path=customXml/itemProps1.xml><?xml version="1.0" encoding="utf-8"?>
-<ds:datastoreItem xmlns:ds="http://schemas.openxmlformats.org/officeDocument/2006/customXml" ds:itemID="{2D276E62-80A3-44DD-9BCC-97ED2B99B57F}">
+<ds:datastoreItem xmlns:ds="http://schemas.openxmlformats.org/officeDocument/2006/customXml" ds:itemID="{CDB58277-F8DF-46FF-84EC-EF41B835E69F}">
   <ds:schemaRefs>
-    <ds:schemaRef ds:uri="http://schemas.microsoft.com/office/2006/metadata/contentType"/>
-    <ds:schemaRef ds:uri="http://schemas.microsoft.com/office/2006/metadata/properties/metaAttributes"/>
-    <ds:schemaRef ds:uri="http://www.w3.org/2001/XMLSchema"/>
-    <ds:schemaRef ds:uri="http://schemas.microsoft.com/office/2006/metadata/properties"/>
-    <ds:schemaRef ds:uri="71af3243-3dd4-4a8d-8c0d-dd76da1f02a5"/>
-    <ds:schemaRef ds:uri="16c05727-aa75-4e4a-9b5f-8a80a1165891"/>
-    <ds:schemaRef ds:uri="http://schemas.microsoft.com/office/2006/documentManagement/types"/>
-    <ds:schemaRef ds:uri="http://schemas.microsoft.com/office/infopath/2007/PartnerControls"/>
-    <ds:schemaRef ds:uri="http://schemas.openxmlformats.org/package/2006/metadata/core-properties"/>
-    <ds:schemaRef ds:uri="http://purl.org/dc/elements/1.1/"/>
-    <ds:schemaRef ds:uri="http://purl.org/dc/terms/"/>
-    <ds:schemaRef ds:uri="http://schemas.microsoft.com/internal/obd"/>
+    <ds:schemaRef ds:uri="http://schemas.microsoft.com/sharepoint/v3/contenttype/forms"/>
   </ds:schemaRefs>
 </ds:datastoreItem>
 </file>
@@ -10363,9 +11158,20 @@
 </file>
 
 <file path=customXml/itemProps3.xml><?xml version="1.0" encoding="utf-8"?>
-<ds:datastoreItem xmlns:ds="http://schemas.openxmlformats.org/officeDocument/2006/customXml" ds:itemID="{CDB58277-F8DF-46FF-84EC-EF41B835E69F}">
+<ds:datastoreItem xmlns:ds="http://schemas.openxmlformats.org/officeDocument/2006/customXml" ds:itemID="{2D276E62-80A3-44DD-9BCC-97ED2B99B57F}">
   <ds:schemaRefs>
-    <ds:schemaRef ds:uri="http://schemas.microsoft.com/sharepoint/v3/contenttype/forms"/>
+    <ds:schemaRef ds:uri="http://schemas.microsoft.com/office/2006/metadata/contentType"/>
+    <ds:schemaRef ds:uri="http://schemas.microsoft.com/office/2006/metadata/properties/metaAttributes"/>
+    <ds:schemaRef ds:uri="http://www.w3.org/2001/XMLSchema"/>
+    <ds:schemaRef ds:uri="http://schemas.microsoft.com/office/2006/metadata/properties"/>
+    <ds:schemaRef ds:uri="71af3243-3dd4-4a8d-8c0d-dd76da1f02a5"/>
+    <ds:schemaRef ds:uri="16c05727-aa75-4e4a-9b5f-8a80a1165891"/>
+    <ds:schemaRef ds:uri="http://schemas.microsoft.com/office/2006/documentManagement/types"/>
+    <ds:schemaRef ds:uri="http://schemas.microsoft.com/office/infopath/2007/PartnerControls"/>
+    <ds:schemaRef ds:uri="http://schemas.openxmlformats.org/package/2006/metadata/core-properties"/>
+    <ds:schemaRef ds:uri="http://purl.org/dc/elements/1.1/"/>
+    <ds:schemaRef ds:uri="http://purl.org/dc/terms/"/>
+    <ds:schemaRef ds:uri="http://schemas.microsoft.com/internal/obd"/>
   </ds:schemaRefs>
 </ds:datastoreItem>
 </file>
--- a/Slides/Slides-04-Introduction_to_Valtools/Slides-04-01-Elements_of_Validation/Slides-04-01-Elements_of_Validation.pptx
+++ b/Slides/Slides-04-Introduction_to_Valtools/Slides-04-01-Elements_of_Validation/Slides-04-01-Elements_of_Validation.pptx
@@ -5,7 +5,7 @@
     <p:sldMasterId id="2147483673" r:id="rId4"/>
   </p:sldMasterIdLst>
   <p:notesMasterIdLst>
-    <p:notesMasterId r:id="rId27"/>
+    <p:notesMasterId r:id="rId26"/>
   </p:notesMasterIdLst>
   <p:sldIdLst>
     <p:sldId id="257" r:id="rId5"/>
@@ -25,11 +25,10 @@
     <p:sldId id="263" r:id="rId19"/>
     <p:sldId id="368" r:id="rId20"/>
     <p:sldId id="395" r:id="rId21"/>
-    <p:sldId id="396" r:id="rId22"/>
-    <p:sldId id="382" r:id="rId23"/>
-    <p:sldId id="397" r:id="rId24"/>
-    <p:sldId id="381" r:id="rId25"/>
-    <p:sldId id="330" r:id="rId26"/>
+    <p:sldId id="382" r:id="rId22"/>
+    <p:sldId id="397" r:id="rId23"/>
+    <p:sldId id="381" r:id="rId24"/>
+    <p:sldId id="330" r:id="rId25"/>
   </p:sldIdLst>
   <p:sldSz cx="12192000" cy="6858000"/>
   <p:notesSz cx="6858000" cy="9144000"/>
@@ -1484,7 +1483,110 @@
               <a:tabLst/>
               <a:defRPr/>
             </a:pPr>
-            <a:endParaRPr lang="en-US" dirty="0"/>
+            <a:r>
+              <a:rPr lang="en-US" dirty="0"/>
+              <a:t>Validation report helpers manage the expectation of repeated rendering in a variety of scenarios:</a:t>
+            </a:r>
+          </a:p>
+          <a:p>
+            <a:pPr marL="171450" marR="0" lvl="0" indent="-171450" algn="l" defTabSz="914400" rtl="0" eaLnBrk="1" fontAlgn="auto" latinLnBrk="0" hangingPunct="1">
+              <a:lnSpc>
+                <a:spcPct val="100000"/>
+              </a:lnSpc>
+              <a:spcBef>
+                <a:spcPts val="0"/>
+              </a:spcBef>
+              <a:spcAft>
+                <a:spcPts val="0"/>
+              </a:spcAft>
+              <a:buClrTx/>
+              <a:buSzTx/>
+              <a:buFontTx/>
+              <a:buChar char="-"/>
+              <a:tabLst/>
+              <a:defRPr/>
+            </a:pPr>
+            <a:r>
+              <a:rPr lang="en-US" dirty="0"/>
+              <a:t>Validation separate from a package e.g. validation of third party authored packages</a:t>
+            </a:r>
+          </a:p>
+          <a:p>
+            <a:pPr marL="171450" marR="0" lvl="0" indent="-171450" algn="l" defTabSz="914400" rtl="0" eaLnBrk="1" fontAlgn="auto" latinLnBrk="0" hangingPunct="1">
+              <a:lnSpc>
+                <a:spcPct val="100000"/>
+              </a:lnSpc>
+              <a:spcBef>
+                <a:spcPts val="0"/>
+              </a:spcBef>
+              <a:spcAft>
+                <a:spcPts val="0"/>
+              </a:spcAft>
+              <a:buClrTx/>
+              <a:buSzTx/>
+              <a:buFontTx/>
+              <a:buChar char="-"/>
+              <a:tabLst/>
+              <a:defRPr/>
+            </a:pPr>
+            <a:r>
+              <a:rPr lang="en-US" dirty="0"/>
+              <a:t>Validation while developing, e.g. as part of </a:t>
+            </a:r>
+            <a:r>
+              <a:rPr lang="en-US" dirty="0" err="1"/>
+              <a:t>c.i</a:t>
+            </a:r>
+            <a:r>
+              <a:rPr lang="en-US" dirty="0"/>
+              <a:t> or for a git repo</a:t>
+            </a:r>
+          </a:p>
+          <a:p>
+            <a:pPr marL="171450" marR="0" lvl="0" indent="-171450" algn="l" defTabSz="914400" rtl="0" eaLnBrk="1" fontAlgn="auto" latinLnBrk="0" hangingPunct="1">
+              <a:lnSpc>
+                <a:spcPct val="100000"/>
+              </a:lnSpc>
+              <a:spcBef>
+                <a:spcPts val="0"/>
+              </a:spcBef>
+              <a:spcAft>
+                <a:spcPts val="0"/>
+              </a:spcAft>
+              <a:buClrTx/>
+              <a:buSzTx/>
+              <a:buFontTx/>
+              <a:buChar char="-"/>
+              <a:tabLst/>
+              <a:defRPr/>
+            </a:pPr>
+            <a:r>
+              <a:rPr lang="en-US" dirty="0"/>
+              <a:t>Validation after install, e.g. if the working environment has been updated</a:t>
+            </a:r>
+          </a:p>
+          <a:p>
+            <a:pPr marL="171450" marR="0" lvl="0" indent="-171450" algn="l" defTabSz="914400" rtl="0" eaLnBrk="1" fontAlgn="auto" latinLnBrk="0" hangingPunct="1">
+              <a:lnSpc>
+                <a:spcPct val="100000"/>
+              </a:lnSpc>
+              <a:spcBef>
+                <a:spcPts val="0"/>
+              </a:spcBef>
+              <a:spcAft>
+                <a:spcPts val="0"/>
+              </a:spcAft>
+              <a:buClrTx/>
+              <a:buSzTx/>
+              <a:buFontTx/>
+              <a:buChar char="-"/>
+              <a:tabLst/>
+              <a:defRPr/>
+            </a:pPr>
+            <a:r>
+              <a:rPr lang="en-US" dirty="0"/>
+              <a:t>Validation as part of distribution, e.g. when bundling for distribution</a:t>
+            </a:r>
           </a:p>
         </p:txBody>
       </p:sp>
@@ -1514,7 +1616,7 @@
     </p:spTree>
     <p:extLst>
       <p:ext uri="{BB962C8B-B14F-4D97-AF65-F5344CB8AC3E}">
-        <p14:creationId xmlns:p14="http://schemas.microsoft.com/office/powerpoint/2010/main" val="1625012325"/>
+        <p14:creationId xmlns:p14="http://schemas.microsoft.com/office/powerpoint/2010/main" val="4085674437"/>
       </p:ext>
     </p:extLst>
   </p:cSld>
@@ -1585,110 +1687,7 @@
               <a:tabLst/>
               <a:defRPr/>
             </a:pPr>
-            <a:r>
-              <a:rPr lang="en-US" dirty="0"/>
-              <a:t>Validation report helpers manage the expectation of repeated rendering in a variety of scenarios:</a:t>
-            </a:r>
-          </a:p>
-          <a:p>
-            <a:pPr marL="171450" marR="0" lvl="0" indent="-171450" algn="l" defTabSz="914400" rtl="0" eaLnBrk="1" fontAlgn="auto" latinLnBrk="0" hangingPunct="1">
-              <a:lnSpc>
-                <a:spcPct val="100000"/>
-              </a:lnSpc>
-              <a:spcBef>
-                <a:spcPts val="0"/>
-              </a:spcBef>
-              <a:spcAft>
-                <a:spcPts val="0"/>
-              </a:spcAft>
-              <a:buClrTx/>
-              <a:buSzTx/>
-              <a:buFontTx/>
-              <a:buChar char="-"/>
-              <a:tabLst/>
-              <a:defRPr/>
-            </a:pPr>
-            <a:r>
-              <a:rPr lang="en-US" dirty="0"/>
-              <a:t>Validation separate from a package e.g. validation of third party authored packages</a:t>
-            </a:r>
-          </a:p>
-          <a:p>
-            <a:pPr marL="171450" marR="0" lvl="0" indent="-171450" algn="l" defTabSz="914400" rtl="0" eaLnBrk="1" fontAlgn="auto" latinLnBrk="0" hangingPunct="1">
-              <a:lnSpc>
-                <a:spcPct val="100000"/>
-              </a:lnSpc>
-              <a:spcBef>
-                <a:spcPts val="0"/>
-              </a:spcBef>
-              <a:spcAft>
-                <a:spcPts val="0"/>
-              </a:spcAft>
-              <a:buClrTx/>
-              <a:buSzTx/>
-              <a:buFontTx/>
-              <a:buChar char="-"/>
-              <a:tabLst/>
-              <a:defRPr/>
-            </a:pPr>
-            <a:r>
-              <a:rPr lang="en-US" dirty="0"/>
-              <a:t>Validation while developing, e.g. as part of </a:t>
-            </a:r>
-            <a:r>
-              <a:rPr lang="en-US" dirty="0" err="1"/>
-              <a:t>c.i</a:t>
-            </a:r>
-            <a:r>
-              <a:rPr lang="en-US" dirty="0"/>
-              <a:t> or for a git repo</a:t>
-            </a:r>
-          </a:p>
-          <a:p>
-            <a:pPr marL="171450" marR="0" lvl="0" indent="-171450" algn="l" defTabSz="914400" rtl="0" eaLnBrk="1" fontAlgn="auto" latinLnBrk="0" hangingPunct="1">
-              <a:lnSpc>
-                <a:spcPct val="100000"/>
-              </a:lnSpc>
-              <a:spcBef>
-                <a:spcPts val="0"/>
-              </a:spcBef>
-              <a:spcAft>
-                <a:spcPts val="0"/>
-              </a:spcAft>
-              <a:buClrTx/>
-              <a:buSzTx/>
-              <a:buFontTx/>
-              <a:buChar char="-"/>
-              <a:tabLst/>
-              <a:defRPr/>
-            </a:pPr>
-            <a:r>
-              <a:rPr lang="en-US" dirty="0"/>
-              <a:t>Validation after install, e.g. if the working environment has been updated</a:t>
-            </a:r>
-          </a:p>
-          <a:p>
-            <a:pPr marL="171450" marR="0" lvl="0" indent="-171450" algn="l" defTabSz="914400" rtl="0" eaLnBrk="1" fontAlgn="auto" latinLnBrk="0" hangingPunct="1">
-              <a:lnSpc>
-                <a:spcPct val="100000"/>
-              </a:lnSpc>
-              <a:spcBef>
-                <a:spcPts val="0"/>
-              </a:spcBef>
-              <a:spcAft>
-                <a:spcPts val="0"/>
-              </a:spcAft>
-              <a:buClrTx/>
-              <a:buSzTx/>
-              <a:buFontTx/>
-              <a:buChar char="-"/>
-              <a:tabLst/>
-              <a:defRPr/>
-            </a:pPr>
-            <a:r>
-              <a:rPr lang="en-US" dirty="0"/>
-              <a:t>Validation as part of distribution, e.g. when bundling for distribution</a:t>
-            </a:r>
+            <a:endParaRPr lang="en-US" dirty="0"/>
           </a:p>
         </p:txBody>
       </p:sp>
@@ -1718,7 +1717,7 @@
     </p:spTree>
     <p:extLst>
       <p:ext uri="{BB962C8B-B14F-4D97-AF65-F5344CB8AC3E}">
-        <p14:creationId xmlns:p14="http://schemas.microsoft.com/office/powerpoint/2010/main" val="4085674437"/>
+        <p14:creationId xmlns:p14="http://schemas.microsoft.com/office/powerpoint/2010/main" val="628796750"/>
       </p:ext>
     </p:extLst>
   </p:cSld>
@@ -1819,7 +1818,7 @@
     </p:spTree>
     <p:extLst>
       <p:ext uri="{BB962C8B-B14F-4D97-AF65-F5344CB8AC3E}">
-        <p14:creationId xmlns:p14="http://schemas.microsoft.com/office/powerpoint/2010/main" val="628796750"/>
+        <p14:creationId xmlns:p14="http://schemas.microsoft.com/office/powerpoint/2010/main" val="767338882"/>
       </p:ext>
     </p:extLst>
   </p:cSld>
@@ -1974,23 +1973,6 @@
           <a:bodyPr/>
           <a:lstStyle/>
           <a:p>
-            <a:pPr marL="0" marR="0" lvl="0" indent="0" algn="l" defTabSz="914400" rtl="0" eaLnBrk="1" fontAlgn="auto" latinLnBrk="0" hangingPunct="1">
-              <a:lnSpc>
-                <a:spcPct val="100000"/>
-              </a:lnSpc>
-              <a:spcBef>
-                <a:spcPts val="0"/>
-              </a:spcBef>
-              <a:spcAft>
-                <a:spcPts val="0"/>
-              </a:spcAft>
-              <a:buClrTx/>
-              <a:buSzTx/>
-              <a:buFontTx/>
-              <a:buNone/>
-              <a:tabLst/>
-              <a:defRPr/>
-            </a:pPr>
             <a:endParaRPr lang="en-US" dirty="0"/>
           </a:p>
         </p:txBody>
@@ -2013,90 +1995,6 @@
             <a:fld id="{B9F26414-4BE6-427A-9F34-1430B41B92D6}" type="slidenum">
               <a:rPr lang="en-US" smtClean="0"/>
               <a:t>21</a:t>
-            </a:fld>
-            <a:endParaRPr lang="en-US"/>
-          </a:p>
-        </p:txBody>
-      </p:sp>
-    </p:spTree>
-    <p:extLst>
-      <p:ext uri="{BB962C8B-B14F-4D97-AF65-F5344CB8AC3E}">
-        <p14:creationId xmlns:p14="http://schemas.microsoft.com/office/powerpoint/2010/main" val="767338882"/>
-      </p:ext>
-    </p:extLst>
-  </p:cSld>
-  <p:clrMapOvr>
-    <a:masterClrMapping/>
-  </p:clrMapOvr>
-</p:notes>
-</file>
-
-<file path=ppt/notesSlides/notesSlide21.xml><?xml version="1.0" encoding="utf-8"?>
-<p:notes xmlns:a="http://schemas.openxmlformats.org/drawingml/2006/main" xmlns:r="http://schemas.openxmlformats.org/officeDocument/2006/relationships" xmlns:p="http://schemas.openxmlformats.org/presentationml/2006/main">
-  <p:cSld>
-    <p:spTree>
-      <p:nvGrpSpPr>
-        <p:cNvPr id="1" name=""/>
-        <p:cNvGrpSpPr/>
-        <p:nvPr/>
-      </p:nvGrpSpPr>
-      <p:grpSpPr>
-        <a:xfrm>
-          <a:off x="0" y="0"/>
-          <a:ext cx="0" cy="0"/>
-          <a:chOff x="0" y="0"/>
-          <a:chExt cx="0" cy="0"/>
-        </a:xfrm>
-      </p:grpSpPr>
-      <p:sp>
-        <p:nvSpPr>
-          <p:cNvPr id="2" name="Slide Image Placeholder 1"/>
-          <p:cNvSpPr>
-            <a:spLocks noGrp="1" noRot="1" noChangeAspect="1"/>
-          </p:cNvSpPr>
-          <p:nvPr>
-            <p:ph type="sldImg"/>
-          </p:nvPr>
-        </p:nvSpPr>
-        <p:spPr/>
-      </p:sp>
-      <p:sp>
-        <p:nvSpPr>
-          <p:cNvPr id="3" name="Notes Placeholder 2"/>
-          <p:cNvSpPr>
-            <a:spLocks noGrp="1"/>
-          </p:cNvSpPr>
-          <p:nvPr>
-            <p:ph type="body" idx="1"/>
-          </p:nvPr>
-        </p:nvSpPr>
-        <p:spPr/>
-        <p:txBody>
-          <a:bodyPr/>
-          <a:lstStyle/>
-          <a:p>
-            <a:endParaRPr lang="en-US" dirty="0"/>
-          </a:p>
-        </p:txBody>
-      </p:sp>
-      <p:sp>
-        <p:nvSpPr>
-          <p:cNvPr id="4" name="Slide Number Placeholder 3"/>
-          <p:cNvSpPr>
-            <a:spLocks noGrp="1"/>
-          </p:cNvSpPr>
-          <p:nvPr>
-            <p:ph type="sldNum" sz="quarter" idx="5"/>
-          </p:nvPr>
-        </p:nvSpPr>
-        <p:spPr/>
-        <p:txBody>
-          <a:bodyPr/>
-          <a:lstStyle/>
-          <a:p>
-            <a:fld id="{B9F26414-4BE6-427A-9F34-1430B41B92D6}" type="slidenum">
-              <a:rPr lang="en-US" smtClean="0"/>
-              <a:t>22</a:t>
             </a:fld>
             <a:endParaRPr lang="en-US"/>
           </a:p>
@@ -8624,7 +8522,7 @@
           <a:p>
             <a:r>
               <a:rPr lang="en-US" dirty="0"/>
-              <a:t>Report basics</a:t>
+              <a:t>Validation Report Helpers</a:t>
             </a:r>
           </a:p>
         </p:txBody>
@@ -8643,8 +8541,8 @@
         </p:nvSpPr>
         <p:spPr>
           <a:xfrm>
-            <a:off x="1540934" y="2218267"/>
-            <a:ext cx="10186778" cy="3970318"/>
+            <a:off x="1286933" y="2218267"/>
+            <a:ext cx="10905067" cy="3539430"/>
           </a:xfrm>
           <a:prstGeom prst="rect">
             <a:avLst/>
@@ -8662,84 +8560,88 @@
               <a:buChar char="•"/>
             </a:pPr>
             <a:r>
+              <a:rPr lang="en-US" sz="2800" dirty="0" err="1"/>
+              <a:t>vt_path</a:t>
+            </a:r>
+            <a:r>
               <a:rPr lang="en-US" sz="2800" dirty="0"/>
-              <a:t>Rmarkdown</a:t>
-            </a:r>
+              <a:t>()</a:t>
+            </a:r>
+          </a:p>
+          <a:p>
+            <a:pPr marL="742950" lvl="1" indent="-285750">
+              <a:buFont typeface="Arial" panose="020B0604020202020204" pitchFamily="34" charset="0"/>
+              <a:buChar char="•"/>
+            </a:pPr>
+            <a:r>
+              <a:rPr lang="en-US" sz="2800" dirty="0"/>
+              <a:t>here::here(), but for validation contents</a:t>
+            </a:r>
+          </a:p>
+          <a:p>
+            <a:pPr lvl="1"/>
+            <a:endParaRPr lang="en-US" sz="2800" dirty="0"/>
           </a:p>
           <a:p>
             <a:pPr marL="285750" indent="-285750">
               <a:buFont typeface="Arial" panose="020B0604020202020204" pitchFamily="34" charset="0"/>
               <a:buChar char="•"/>
             </a:pPr>
-            <a:endParaRPr lang="en-US" sz="2800" dirty="0"/>
-          </a:p>
-          <a:p>
-            <a:pPr marL="285750" indent="-285750">
+            <a:r>
+              <a:rPr lang="en-US" sz="2800" dirty="0" err="1"/>
+              <a:t>vt_file</a:t>
+            </a:r>
+            <a:r>
+              <a:rPr lang="en-US" sz="2800" dirty="0"/>
+              <a:t>()</a:t>
+            </a:r>
+          </a:p>
+          <a:p>
+            <a:pPr marL="742950" lvl="1" indent="-285750">
               <a:buFont typeface="Arial" panose="020B0604020202020204" pitchFamily="34" charset="0"/>
               <a:buChar char="•"/>
             </a:pPr>
             <a:r>
               <a:rPr lang="en-US" sz="2800" dirty="0"/>
-              <a:t>Scrapes information saved across various files</a:t>
-            </a:r>
-          </a:p>
-          <a:p>
-            <a:pPr marL="285750" indent="-285750">
+              <a:t>Renders contents based on extensions</a:t>
+            </a:r>
+          </a:p>
+          <a:p>
+            <a:pPr marL="1200150" lvl="2" indent="-285750">
               <a:buFont typeface="Arial" panose="020B0604020202020204" pitchFamily="34" charset="0"/>
               <a:buChar char="•"/>
             </a:pPr>
-            <a:endParaRPr lang="en-US" sz="2800" dirty="0"/>
-          </a:p>
-          <a:p>
-            <a:pPr marL="285750" indent="-285750">
+            <a:r>
+              <a:rPr lang="en-US" sz="2800" dirty="0"/>
+              <a:t>Rmd parsed</a:t>
+            </a:r>
+          </a:p>
+          <a:p>
+            <a:pPr marL="1200150" lvl="2" indent="-285750">
               <a:buFont typeface="Arial" panose="020B0604020202020204" pitchFamily="34" charset="0"/>
               <a:buChar char="•"/>
             </a:pPr>
             <a:r>
               <a:rPr lang="en-US" sz="2800" dirty="0"/>
-              <a:t>Produces </a:t>
-            </a:r>
-            <a:r>
-              <a:rPr lang="en-US" sz="2800" dirty="0" err="1"/>
-              <a:t>kables</a:t>
-            </a:r>
-            <a:endParaRPr lang="en-US" sz="2800" dirty="0"/>
-          </a:p>
-          <a:p>
-            <a:pPr marL="285750" indent="-285750">
+              <a:t>Test code executed and results captured</a:t>
+            </a:r>
+          </a:p>
+          <a:p>
+            <a:pPr marL="1200150" lvl="2" indent="-285750">
               <a:buFont typeface="Arial" panose="020B0604020202020204" pitchFamily="34" charset="0"/>
               <a:buChar char="•"/>
             </a:pPr>
-            <a:endParaRPr lang="en-US" sz="2800" dirty="0"/>
-          </a:p>
-          <a:p>
-            <a:pPr marL="285750" indent="-285750">
-              <a:buFont typeface="Arial" panose="020B0604020202020204" pitchFamily="34" charset="0"/>
-              <a:buChar char="•"/>
-            </a:pPr>
             <a:r>
               <a:rPr lang="en-US" sz="2800" dirty="0"/>
-              <a:t>Reads in the validation child files and parses them based on order in </a:t>
-            </a:r>
-            <a:r>
-              <a:rPr lang="en-US" sz="2800" dirty="0" err="1"/>
-              <a:t>validation.yml</a:t>
-            </a:r>
-            <a:endParaRPr lang="en-US" sz="2800" dirty="0"/>
-          </a:p>
-          <a:p>
-            <a:pPr marL="285750" indent="-285750">
-              <a:buFont typeface="Arial" panose="020B0604020202020204" pitchFamily="34" charset="0"/>
-              <a:buChar char="•"/>
-            </a:pPr>
-            <a:endParaRPr lang="en-US" sz="2800" dirty="0"/>
+              <a:t>Any other file contents are printed</a:t>
+            </a:r>
           </a:p>
         </p:txBody>
       </p:sp>
     </p:spTree>
     <p:extLst>
       <p:ext uri="{BB962C8B-B14F-4D97-AF65-F5344CB8AC3E}">
-        <p14:creationId xmlns:p14="http://schemas.microsoft.com/office/powerpoint/2010/main" val="3456366654"/>
+        <p14:creationId xmlns:p14="http://schemas.microsoft.com/office/powerpoint/2010/main" val="595098644"/>
       </p:ext>
     </p:extLst>
   </p:cSld>
@@ -8789,7 +8691,7 @@
           <a:p>
             <a:r>
               <a:rPr lang="en-US" dirty="0"/>
-              <a:t>Validation Report Helpers</a:t>
+              <a:t>Child Files</a:t>
             </a:r>
           </a:p>
         </p:txBody>
@@ -8808,8 +8710,8 @@
         </p:nvSpPr>
         <p:spPr>
           <a:xfrm>
-            <a:off x="1286933" y="2218267"/>
-            <a:ext cx="10905067" cy="3539430"/>
+            <a:off x="1552508" y="1859452"/>
+            <a:ext cx="10186778" cy="5570756"/>
           </a:xfrm>
           <a:prstGeom prst="rect">
             <a:avLst/>
@@ -8827,13 +8729,27 @@
               <a:buChar char="•"/>
             </a:pPr>
             <a:r>
+              <a:rPr lang="en-US" sz="2800" dirty="0"/>
+              <a:t>Validation Report contains pointers for repeated evaluation across different validation environments</a:t>
+            </a:r>
+          </a:p>
+          <a:p>
+            <a:endParaRPr lang="en-US" sz="2800" dirty="0"/>
+          </a:p>
+          <a:p>
+            <a:pPr marL="285750" indent="-285750">
+              <a:buFont typeface="Arial" panose="020B0604020202020204" pitchFamily="34" charset="0"/>
+              <a:buChar char="•"/>
+            </a:pPr>
+            <a:r>
+              <a:rPr lang="en-US" sz="2800" dirty="0"/>
+              <a:t>Order of child files can be specified by </a:t>
+            </a:r>
+            <a:r>
               <a:rPr lang="en-US" sz="2800" dirty="0" err="1"/>
-              <a:t>vt_path</a:t>
-            </a:r>
-            <a:r>
-              <a:rPr lang="en-US" sz="2800" dirty="0"/>
-              <a:t>()</a:t>
-            </a:r>
+              <a:t>validation.yml</a:t>
+            </a:r>
+            <a:endParaRPr lang="en-US" sz="2800" dirty="0"/>
           </a:p>
           <a:p>
             <a:pPr marL="742950" lvl="1" indent="-285750">
@@ -8841,8 +8757,42 @@
               <a:buChar char="•"/>
             </a:pPr>
             <a:r>
-              <a:rPr lang="en-US" sz="2800" dirty="0"/>
-              <a:t>here::here(), but for validation contents</a:t>
+              <a:rPr lang="en-US" sz="2000" dirty="0"/>
+              <a:t>Default is grouped by “requirements”, “</a:t>
+            </a:r>
+            <a:r>
+              <a:rPr lang="en-US" sz="2000" dirty="0" err="1"/>
+              <a:t>test_cases</a:t>
+            </a:r>
+            <a:r>
+              <a:rPr lang="en-US" sz="2000" dirty="0"/>
+              <a:t>”, “</a:t>
+            </a:r>
+            <a:r>
+              <a:rPr lang="en-US" sz="2000" dirty="0" err="1"/>
+              <a:t>test_code</a:t>
+            </a:r>
+            <a:r>
+              <a:rPr lang="en-US" sz="2000" dirty="0"/>
+              <a:t>” and then alphabetically</a:t>
+            </a:r>
+          </a:p>
+          <a:p>
+            <a:pPr marL="742950" lvl="1" indent="-285750">
+              <a:buFont typeface="Arial" panose="020B0604020202020204" pitchFamily="34" charset="0"/>
+              <a:buChar char="•"/>
+            </a:pPr>
+            <a:r>
+              <a:rPr lang="en-US" sz="2000" dirty="0"/>
+              <a:t>Control via </a:t>
+            </a:r>
+            <a:r>
+              <a:rPr lang="en-US" sz="2000" dirty="0" err="1"/>
+              <a:t>vt_get_child_files</a:t>
+            </a:r>
+            <a:r>
+              <a:rPr lang="en-US" sz="2000" dirty="0"/>
+              <a:t>()</a:t>
             </a:r>
           </a:p>
           <a:p>
@@ -8856,7 +8806,15 @@
             </a:pPr>
             <a:r>
               <a:rPr lang="en-US" sz="2800" dirty="0" err="1"/>
-              <a:t>vt_file</a:t>
+              <a:t>vt_add_file_to_config</a:t>
+            </a:r>
+            <a:r>
+              <a:rPr lang="en-US" sz="2800" dirty="0"/>
+              <a:t>() &amp; </a:t>
+            </a:r>
+            <a:r>
+              <a:rPr lang="en-US" sz="2800" dirty="0" err="1"/>
+              <a:t>vt_drop_file_from_config</a:t>
             </a:r>
             <a:r>
               <a:rPr lang="en-US" sz="2800" dirty="0"/>
@@ -8869,46 +8827,66 @@
               <a:buChar char="•"/>
             </a:pPr>
             <a:r>
-              <a:rPr lang="en-US" sz="2800" dirty="0"/>
-              <a:t>Renders contents based on extensions</a:t>
-            </a:r>
-          </a:p>
-          <a:p>
-            <a:pPr marL="1200150" lvl="2" indent="-285750">
+              <a:rPr lang="en-US" sz="2400" dirty="0"/>
+              <a:t>Specify validation file (req, test case, test code)</a:t>
+            </a:r>
+          </a:p>
+          <a:p>
+            <a:pPr marL="742950" lvl="1" indent="-285750">
               <a:buFont typeface="Arial" panose="020B0604020202020204" pitchFamily="34" charset="0"/>
               <a:buChar char="•"/>
             </a:pPr>
             <a:r>
-              <a:rPr lang="en-US" sz="2800" dirty="0"/>
-              <a:t>Rmd parsed</a:t>
-            </a:r>
-          </a:p>
-          <a:p>
-            <a:pPr marL="1200150" lvl="2" indent="-285750">
+              <a:rPr lang="en-US" sz="2400" dirty="0"/>
+              <a:t>Specify which file to add after/before using </a:t>
+            </a:r>
+            <a:r>
+              <a:rPr lang="en-US" sz="2400" dirty="0" err="1"/>
+              <a:t>tidyselect</a:t>
+            </a:r>
+            <a:r>
+              <a:rPr lang="en-US" sz="2400" dirty="0"/>
+              <a:t> syntax</a:t>
+            </a:r>
+          </a:p>
+          <a:p>
+            <a:pPr marL="742950" lvl="1" indent="-285750">
               <a:buFont typeface="Arial" panose="020B0604020202020204" pitchFamily="34" charset="0"/>
               <a:buChar char="•"/>
             </a:pPr>
             <a:r>
-              <a:rPr lang="en-US" sz="2800" dirty="0"/>
-              <a:t>Test code executed and results captured</a:t>
-            </a:r>
-          </a:p>
-          <a:p>
-            <a:pPr marL="1200150" lvl="2" indent="-285750">
+              <a:rPr lang="en-US" sz="2400" dirty="0"/>
+              <a:t>Files added by default to the end by </a:t>
+            </a:r>
+            <a:r>
+              <a:rPr lang="en-US" sz="2400" dirty="0" err="1"/>
+              <a:t>vt_use</a:t>
+            </a:r>
+            <a:r>
+              <a:rPr lang="en-US" sz="2400" dirty="0"/>
+              <a:t>_*</a:t>
+            </a:r>
+          </a:p>
+          <a:p>
+            <a:pPr marL="285750" indent="-285750">
               <a:buFont typeface="Arial" panose="020B0604020202020204" pitchFamily="34" charset="0"/>
               <a:buChar char="•"/>
             </a:pPr>
-            <a:r>
-              <a:rPr lang="en-US" sz="2800" dirty="0"/>
-              <a:t>Any other file contents are printed</a:t>
-            </a:r>
+            <a:endParaRPr lang="en-US" sz="2800" dirty="0"/>
+          </a:p>
+          <a:p>
+            <a:pPr marL="285750" indent="-285750">
+              <a:buFont typeface="Arial" panose="020B0604020202020204" pitchFamily="34" charset="0"/>
+              <a:buChar char="•"/>
+            </a:pPr>
+            <a:endParaRPr lang="en-US" sz="2800" dirty="0"/>
           </a:p>
         </p:txBody>
       </p:sp>
     </p:spTree>
     <p:extLst>
       <p:ext uri="{BB962C8B-B14F-4D97-AF65-F5344CB8AC3E}">
-        <p14:creationId xmlns:p14="http://schemas.microsoft.com/office/powerpoint/2010/main" val="595098644"/>
+        <p14:creationId xmlns:p14="http://schemas.microsoft.com/office/powerpoint/2010/main" val="1817017544"/>
       </p:ext>
     </p:extLst>
   </p:cSld>
@@ -9069,251 +9047,6 @@
           <a:p>
             <a:r>
               <a:rPr lang="en-US" dirty="0"/>
-              <a:t>Child Files</a:t>
-            </a:r>
-          </a:p>
-        </p:txBody>
-      </p:sp>
-      <p:sp>
-        <p:nvSpPr>
-          <p:cNvPr id="11" name="TextBox 10">
-            <a:extLst>
-              <a:ext uri="{FF2B5EF4-FFF2-40B4-BE49-F238E27FC236}">
-                <a16:creationId xmlns:a16="http://schemas.microsoft.com/office/drawing/2014/main" id="{F1F3DA2E-9599-4B03-A261-D34A77F831CE}"/>
-              </a:ext>
-            </a:extLst>
-          </p:cNvPr>
-          <p:cNvSpPr txBox="1"/>
-          <p:nvPr/>
-        </p:nvSpPr>
-        <p:spPr>
-          <a:xfrm>
-            <a:off x="1552508" y="1859452"/>
-            <a:ext cx="10186778" cy="5570756"/>
-          </a:xfrm>
-          <a:prstGeom prst="rect">
-            <a:avLst/>
-          </a:prstGeom>
-          <a:noFill/>
-        </p:spPr>
-        <p:txBody>
-          <a:bodyPr wrap="square" rtlCol="0">
-            <a:spAutoFit/>
-          </a:bodyPr>
-          <a:lstStyle/>
-          <a:p>
-            <a:pPr marL="285750" indent="-285750">
-              <a:buFont typeface="Arial" panose="020B0604020202020204" pitchFamily="34" charset="0"/>
-              <a:buChar char="•"/>
-            </a:pPr>
-            <a:r>
-              <a:rPr lang="en-US" sz="2800" dirty="0"/>
-              <a:t>Validation Report contains pointers for repeated evaluation across different validation environments</a:t>
-            </a:r>
-          </a:p>
-          <a:p>
-            <a:endParaRPr lang="en-US" sz="2800" dirty="0"/>
-          </a:p>
-          <a:p>
-            <a:pPr marL="285750" indent="-285750">
-              <a:buFont typeface="Arial" panose="020B0604020202020204" pitchFamily="34" charset="0"/>
-              <a:buChar char="•"/>
-            </a:pPr>
-            <a:r>
-              <a:rPr lang="en-US" sz="2800" dirty="0"/>
-              <a:t>Order of child files can be specified by </a:t>
-            </a:r>
-            <a:r>
-              <a:rPr lang="en-US" sz="2800" dirty="0" err="1"/>
-              <a:t>validation.yml</a:t>
-            </a:r>
-            <a:endParaRPr lang="en-US" sz="2800" dirty="0"/>
-          </a:p>
-          <a:p>
-            <a:pPr marL="742950" lvl="1" indent="-285750">
-              <a:buFont typeface="Arial" panose="020B0604020202020204" pitchFamily="34" charset="0"/>
-              <a:buChar char="•"/>
-            </a:pPr>
-            <a:r>
-              <a:rPr lang="en-US" sz="2000" dirty="0"/>
-              <a:t>Default is grouped by “requirements”, “</a:t>
-            </a:r>
-            <a:r>
-              <a:rPr lang="en-US" sz="2000" dirty="0" err="1"/>
-              <a:t>test_cases</a:t>
-            </a:r>
-            <a:r>
-              <a:rPr lang="en-US" sz="2000" dirty="0"/>
-              <a:t>”, “</a:t>
-            </a:r>
-            <a:r>
-              <a:rPr lang="en-US" sz="2000" dirty="0" err="1"/>
-              <a:t>test_code</a:t>
-            </a:r>
-            <a:r>
-              <a:rPr lang="en-US" sz="2000" dirty="0"/>
-              <a:t>” and then alphabetically</a:t>
-            </a:r>
-          </a:p>
-          <a:p>
-            <a:pPr marL="742950" lvl="1" indent="-285750">
-              <a:buFont typeface="Arial" panose="020B0604020202020204" pitchFamily="34" charset="0"/>
-              <a:buChar char="•"/>
-            </a:pPr>
-            <a:r>
-              <a:rPr lang="en-US" sz="2000" dirty="0"/>
-              <a:t>Control via </a:t>
-            </a:r>
-            <a:r>
-              <a:rPr lang="en-US" sz="2000" dirty="0" err="1"/>
-              <a:t>vt_get_child_files</a:t>
-            </a:r>
-            <a:r>
-              <a:rPr lang="en-US" sz="2000" dirty="0"/>
-              <a:t>()</a:t>
-            </a:r>
-          </a:p>
-          <a:p>
-            <a:pPr lvl="1"/>
-            <a:endParaRPr lang="en-US" sz="2800" dirty="0"/>
-          </a:p>
-          <a:p>
-            <a:pPr marL="285750" indent="-285750">
-              <a:buFont typeface="Arial" panose="020B0604020202020204" pitchFamily="34" charset="0"/>
-              <a:buChar char="•"/>
-            </a:pPr>
-            <a:r>
-              <a:rPr lang="en-US" sz="2800" dirty="0" err="1"/>
-              <a:t>vt_add_file_to_config</a:t>
-            </a:r>
-            <a:r>
-              <a:rPr lang="en-US" sz="2800" dirty="0"/>
-              <a:t>() &amp; </a:t>
-            </a:r>
-            <a:r>
-              <a:rPr lang="en-US" sz="2800" dirty="0" err="1"/>
-              <a:t>vt_drop_file_from_config</a:t>
-            </a:r>
-            <a:r>
-              <a:rPr lang="en-US" sz="2800" dirty="0"/>
-              <a:t>()</a:t>
-            </a:r>
-          </a:p>
-          <a:p>
-            <a:pPr marL="742950" lvl="1" indent="-285750">
-              <a:buFont typeface="Arial" panose="020B0604020202020204" pitchFamily="34" charset="0"/>
-              <a:buChar char="•"/>
-            </a:pPr>
-            <a:r>
-              <a:rPr lang="en-US" sz="2400" dirty="0"/>
-              <a:t>Specify validation file (req, test case, test code)</a:t>
-            </a:r>
-          </a:p>
-          <a:p>
-            <a:pPr marL="742950" lvl="1" indent="-285750">
-              <a:buFont typeface="Arial" panose="020B0604020202020204" pitchFamily="34" charset="0"/>
-              <a:buChar char="•"/>
-            </a:pPr>
-            <a:r>
-              <a:rPr lang="en-US" sz="2400" dirty="0"/>
-              <a:t>Specify which file to add after/before using </a:t>
-            </a:r>
-            <a:r>
-              <a:rPr lang="en-US" sz="2400" dirty="0" err="1"/>
-              <a:t>tidyselect</a:t>
-            </a:r>
-            <a:r>
-              <a:rPr lang="en-US" sz="2400" dirty="0"/>
-              <a:t> syntax</a:t>
-            </a:r>
-          </a:p>
-          <a:p>
-            <a:pPr marL="742950" lvl="1" indent="-285750">
-              <a:buFont typeface="Arial" panose="020B0604020202020204" pitchFamily="34" charset="0"/>
-              <a:buChar char="•"/>
-            </a:pPr>
-            <a:r>
-              <a:rPr lang="en-US" sz="2400" dirty="0"/>
-              <a:t>Files added by default to the end by </a:t>
-            </a:r>
-            <a:r>
-              <a:rPr lang="en-US" sz="2400" dirty="0" err="1"/>
-              <a:t>vt_use</a:t>
-            </a:r>
-            <a:r>
-              <a:rPr lang="en-US" sz="2400" dirty="0"/>
-              <a:t>_*</a:t>
-            </a:r>
-          </a:p>
-          <a:p>
-            <a:pPr marL="285750" indent="-285750">
-              <a:buFont typeface="Arial" panose="020B0604020202020204" pitchFamily="34" charset="0"/>
-              <a:buChar char="•"/>
-            </a:pPr>
-            <a:endParaRPr lang="en-US" sz="2800" dirty="0"/>
-          </a:p>
-          <a:p>
-            <a:pPr marL="285750" indent="-285750">
-              <a:buFont typeface="Arial" panose="020B0604020202020204" pitchFamily="34" charset="0"/>
-              <a:buChar char="•"/>
-            </a:pPr>
-            <a:endParaRPr lang="en-US" sz="2800" dirty="0"/>
-          </a:p>
-        </p:txBody>
-      </p:sp>
-    </p:spTree>
-    <p:extLst>
-      <p:ext uri="{BB962C8B-B14F-4D97-AF65-F5344CB8AC3E}">
-        <p14:creationId xmlns:p14="http://schemas.microsoft.com/office/powerpoint/2010/main" val="1817017544"/>
-      </p:ext>
-    </p:extLst>
-  </p:cSld>
-  <p:clrMapOvr>
-    <a:masterClrMapping/>
-  </p:clrMapOvr>
-</p:sld>
-</file>
-
-<file path=ppt/slides/slide21.xml><?xml version="1.0" encoding="utf-8"?>
-<p:sld xmlns:a="http://schemas.openxmlformats.org/drawingml/2006/main" xmlns:r="http://schemas.openxmlformats.org/officeDocument/2006/relationships" xmlns:p="http://schemas.openxmlformats.org/presentationml/2006/main">
-  <p:cSld>
-    <p:spTree>
-      <p:nvGrpSpPr>
-        <p:cNvPr id="1" name=""/>
-        <p:cNvGrpSpPr/>
-        <p:nvPr/>
-      </p:nvGrpSpPr>
-      <p:grpSpPr>
-        <a:xfrm>
-          <a:off x="0" y="0"/>
-          <a:ext cx="0" cy="0"/>
-          <a:chOff x="0" y="0"/>
-          <a:chExt cx="0" cy="0"/>
-        </a:xfrm>
-      </p:grpSpPr>
-      <p:sp>
-        <p:nvSpPr>
-          <p:cNvPr id="8" name="Title 7">
-            <a:extLst>
-              <a:ext uri="{FF2B5EF4-FFF2-40B4-BE49-F238E27FC236}">
-                <a16:creationId xmlns:a16="http://schemas.microsoft.com/office/drawing/2014/main" id="{6A34AC25-F9D4-48D7-A664-C590D06BF559}"/>
-              </a:ext>
-            </a:extLst>
-          </p:cNvPr>
-          <p:cNvSpPr>
-            <a:spLocks noGrp="1"/>
-          </p:cNvSpPr>
-          <p:nvPr>
-            <p:ph type="title"/>
-          </p:nvPr>
-        </p:nvSpPr>
-        <p:spPr/>
-        <p:txBody>
-          <a:bodyPr/>
-          <a:lstStyle/>
-          <a:p>
-            <a:r>
-              <a:rPr lang="en-US" dirty="0"/>
               <a:t>Rendering Reports</a:t>
             </a:r>
           </a:p>
@@ -9392,7 +9125,7 @@
 </p:sld>
 </file>
 
-<file path=ppt/slides/slide22.xml><?xml version="1.0" encoding="utf-8"?>
+<file path=ppt/slides/slide21.xml><?xml version="1.0" encoding="utf-8"?>
 <p:sld xmlns:a="http://schemas.openxmlformats.org/drawingml/2006/main" xmlns:r="http://schemas.openxmlformats.org/officeDocument/2006/relationships" xmlns:p="http://schemas.openxmlformats.org/presentationml/2006/main">
   <p:cSld>
     <p:spTree>
@@ -10894,24 +10627,6 @@
 </file>
 
 <file path=customXml/item1.xml><?xml version="1.0" encoding="utf-8"?>
-<?mso-contentType ?>
-<FormTemplates xmlns="http://schemas.microsoft.com/sharepoint/v3/contenttype/forms">
-  <Display>DocumentLibraryForm</Display>
-  <Edit>DocumentLibraryForm</Edit>
-  <New>DocumentLibraryForm</New>
-</FormTemplates>
-</file>
-
-<file path=customXml/item2.xml><?xml version="1.0" encoding="utf-8"?>
-<p:properties xmlns:p="http://schemas.microsoft.com/office/2006/metadata/properties" xmlns:xsi="http://www.w3.org/2001/XMLSchema-instance" xmlns:pc="http://schemas.microsoft.com/office/infopath/2007/PartnerControls">
-  <documentManagement>
-    <Status xmlns="71af3243-3dd4-4a8d-8c0d-dd76da1f02a5">Not started</Status>
-    <MediaServiceKeyPoints xmlns="71af3243-3dd4-4a8d-8c0d-dd76da1f02a5" xsi:nil="true"/>
-  </documentManagement>
-</p:properties>
-</file>
-
-<file path=customXml/item3.xml><?xml version="1.0" encoding="utf-8"?>
 <ct:contentTypeSchema xmlns:ct="http://schemas.microsoft.com/office/2006/metadata/contentType" xmlns:ma="http://schemas.microsoft.com/office/2006/metadata/properties/metaAttributes" ct:_="" ma:_="" ma:contentTypeName="Document" ma:contentTypeID="0x01010079F111ED35F8CC479449609E8A0923A6" ma:contentTypeVersion="12" ma:contentTypeDescription="Create a new document." ma:contentTypeScope="" ma:versionID="a410dd7f93c95333ffa1b60ed6adedd1">
   <xsd:schema xmlns:xsd="http://www.w3.org/2001/XMLSchema" xmlns:xs="http://www.w3.org/2001/XMLSchema" xmlns:p="http://schemas.microsoft.com/office/2006/metadata/properties" xmlns:ns2="71af3243-3dd4-4a8d-8c0d-dd76da1f02a5" xmlns:ns3="16c05727-aa75-4e4a-9b5f-8a80a1165891" targetNamespace="http://schemas.microsoft.com/office/2006/metadata/properties" ma:root="true" ma:fieldsID="a936d9baba76aa3866493feff160faab" ns2:_="" ns3:_="">
     <xsd:import namespace="71af3243-3dd4-4a8d-8c0d-dd76da1f02a5"/>
@@ -11132,10 +10847,39 @@
 </ct:contentTypeSchema>
 </file>
 
+<file path=customXml/item2.xml><?xml version="1.0" encoding="utf-8"?>
+<p:properties xmlns:p="http://schemas.microsoft.com/office/2006/metadata/properties" xmlns:xsi="http://www.w3.org/2001/XMLSchema-instance" xmlns:pc="http://schemas.microsoft.com/office/infopath/2007/PartnerControls">
+  <documentManagement>
+    <Status xmlns="71af3243-3dd4-4a8d-8c0d-dd76da1f02a5">Not started</Status>
+    <MediaServiceKeyPoints xmlns="71af3243-3dd4-4a8d-8c0d-dd76da1f02a5" xsi:nil="true"/>
+  </documentManagement>
+</p:properties>
+</file>
+
+<file path=customXml/item3.xml><?xml version="1.0" encoding="utf-8"?>
+<?mso-contentType ?>
+<FormTemplates xmlns="http://schemas.microsoft.com/sharepoint/v3/contenttype/forms">
+  <Display>DocumentLibraryForm</Display>
+  <Edit>DocumentLibraryForm</Edit>
+  <New>DocumentLibraryForm</New>
+</FormTemplates>
+</file>
+
 <file path=customXml/itemProps1.xml><?xml version="1.0" encoding="utf-8"?>
-<ds:datastoreItem xmlns:ds="http://schemas.openxmlformats.org/officeDocument/2006/customXml" ds:itemID="{CDB58277-F8DF-46FF-84EC-EF41B835E69F}">
+<ds:datastoreItem xmlns:ds="http://schemas.openxmlformats.org/officeDocument/2006/customXml" ds:itemID="{2D276E62-80A3-44DD-9BCC-97ED2B99B57F}">
   <ds:schemaRefs>
-    <ds:schemaRef ds:uri="http://schemas.microsoft.com/sharepoint/v3/contenttype/forms"/>
+    <ds:schemaRef ds:uri="http://schemas.microsoft.com/office/2006/metadata/contentType"/>
+    <ds:schemaRef ds:uri="http://schemas.microsoft.com/office/2006/metadata/properties/metaAttributes"/>
+    <ds:schemaRef ds:uri="http://www.w3.org/2001/XMLSchema"/>
+    <ds:schemaRef ds:uri="http://schemas.microsoft.com/office/2006/metadata/properties"/>
+    <ds:schemaRef ds:uri="71af3243-3dd4-4a8d-8c0d-dd76da1f02a5"/>
+    <ds:schemaRef ds:uri="16c05727-aa75-4e4a-9b5f-8a80a1165891"/>
+    <ds:schemaRef ds:uri="http://schemas.microsoft.com/office/2006/documentManagement/types"/>
+    <ds:schemaRef ds:uri="http://schemas.microsoft.com/office/infopath/2007/PartnerControls"/>
+    <ds:schemaRef ds:uri="http://schemas.openxmlformats.org/package/2006/metadata/core-properties"/>
+    <ds:schemaRef ds:uri="http://purl.org/dc/elements/1.1/"/>
+    <ds:schemaRef ds:uri="http://purl.org/dc/terms/"/>
+    <ds:schemaRef ds:uri="http://schemas.microsoft.com/internal/obd"/>
   </ds:schemaRefs>
 </ds:datastoreItem>
 </file>
@@ -11158,20 +10902,9 @@
 </file>
 
 <file path=customXml/itemProps3.xml><?xml version="1.0" encoding="utf-8"?>
-<ds:datastoreItem xmlns:ds="http://schemas.openxmlformats.org/officeDocument/2006/customXml" ds:itemID="{2D276E62-80A3-44DD-9BCC-97ED2B99B57F}">
+<ds:datastoreItem xmlns:ds="http://schemas.openxmlformats.org/officeDocument/2006/customXml" ds:itemID="{CDB58277-F8DF-46FF-84EC-EF41B835E69F}">
   <ds:schemaRefs>
-    <ds:schemaRef ds:uri="http://schemas.microsoft.com/office/2006/metadata/contentType"/>
-    <ds:schemaRef ds:uri="http://schemas.microsoft.com/office/2006/metadata/properties/metaAttributes"/>
-    <ds:schemaRef ds:uri="http://www.w3.org/2001/XMLSchema"/>
-    <ds:schemaRef ds:uri="http://schemas.microsoft.com/office/2006/metadata/properties"/>
-    <ds:schemaRef ds:uri="71af3243-3dd4-4a8d-8c0d-dd76da1f02a5"/>
-    <ds:schemaRef ds:uri="16c05727-aa75-4e4a-9b5f-8a80a1165891"/>
-    <ds:schemaRef ds:uri="http://schemas.microsoft.com/office/2006/documentManagement/types"/>
-    <ds:schemaRef ds:uri="http://schemas.microsoft.com/office/infopath/2007/PartnerControls"/>
-    <ds:schemaRef ds:uri="http://schemas.openxmlformats.org/package/2006/metadata/core-properties"/>
-    <ds:schemaRef ds:uri="http://purl.org/dc/elements/1.1/"/>
-    <ds:schemaRef ds:uri="http://purl.org/dc/terms/"/>
-    <ds:schemaRef ds:uri="http://schemas.microsoft.com/internal/obd"/>
+    <ds:schemaRef ds:uri="http://schemas.microsoft.com/sharepoint/v3/contenttype/forms"/>
   </ds:schemaRefs>
 </ds:datastoreItem>
 </file>